--- a/Open Lab.pptx
+++ b/Open Lab.pptx
@@ -5,15 +5,19 @@
     <p:sldMasterId id="2147483648" r:id="rId4"/>
   </p:sldMasterIdLst>
   <p:notesMasterIdLst>
-    <p:notesMasterId r:id="rId8"/>
+    <p:notesMasterId r:id="rId12"/>
   </p:notesMasterIdLst>
   <p:handoutMasterIdLst>
-    <p:handoutMasterId r:id="rId9"/>
+    <p:handoutMasterId r:id="rId13"/>
   </p:handoutMasterIdLst>
   <p:sldIdLst>
     <p:sldId id="256" r:id="rId5"/>
     <p:sldId id="277" r:id="rId6"/>
     <p:sldId id="278" r:id="rId7"/>
+    <p:sldId id="279" r:id="rId8"/>
+    <p:sldId id="280" r:id="rId9"/>
+    <p:sldId id="282" r:id="rId10"/>
+    <p:sldId id="281" r:id="rId11"/>
   </p:sldIdLst>
   <p:sldSz cx="12192000" cy="6858000"/>
   <p:notesSz cx="6858000" cy="9144000"/>
@@ -213,7 +217,7 @@
                 <a:latin typeface="맑은 고딕" panose="020B0503020000020004" pitchFamily="50" charset="-127"/>
                 <a:ea typeface="맑은 고딕" panose="020B0503020000020004" pitchFamily="50" charset="-127"/>
               </a:rPr>
-              <a:t>2023-06-12</a:t>
+              <a:t>2023-06-13</a:t>
             </a:fld>
             <a:endParaRPr lang="ko-KR" altLang="en-US" dirty="0">
               <a:latin typeface="맑은 고딕" panose="020B0503020000020004" pitchFamily="50" charset="-127"/>
@@ -400,7 +404,7 @@
             <a:fld id="{C6D4BD08-001C-4DA3-A8F2-B1A0C43B0DFD}" type="datetime1">
               <a:rPr lang="ko-KR" altLang="en-US" smtClean="0"/>
               <a:pPr/>
-              <a:t>2023-06-12</a:t>
+              <a:t>2023-06-13</a:t>
             </a:fld>
             <a:endParaRPr lang="ko-KR" altLang="en-US" dirty="0"/>
           </a:p>
@@ -9657,7 +9661,7 @@
             <a:fld id="{20DA4868-5905-4D40-A3C7-A08A77FB381F}" type="datetime1">
               <a:rPr lang="ko-KR" altLang="en-US" smtClean="0"/>
               <a:pPr/>
-              <a:t>2023-06-12</a:t>
+              <a:t>2023-06-13</a:t>
             </a:fld>
             <a:endParaRPr lang="ko-KR" altLang="en-US" dirty="0"/>
           </a:p>
@@ -9867,7 +9871,7 @@
             <a:fld id="{A7059D92-5434-44F0-8311-BFCB0FE3ABFC}" type="datetime1">
               <a:rPr lang="ko-KR" altLang="en-US" smtClean="0"/>
               <a:pPr/>
-              <a:t>2023-06-12</a:t>
+              <a:t>2023-06-13</a:t>
             </a:fld>
             <a:endParaRPr lang="ko-KR" altLang="en-US" dirty="0"/>
           </a:p>
@@ -10091,7 +10095,7 @@
             <a:fld id="{2FB232E3-E22B-46B2-B042-7B0B4F3513F2}" type="datetime1">
               <a:rPr lang="ko-KR" altLang="en-US" smtClean="0"/>
               <a:pPr/>
-              <a:t>2023-06-12</a:t>
+              <a:t>2023-06-13</a:t>
             </a:fld>
             <a:endParaRPr lang="ko-KR" altLang="en-US" dirty="0"/>
           </a:p>
@@ -10312,7 +10316,7 @@
             <a:fld id="{9EFA091B-FB79-4832-BBA6-485BF4956E11}" type="datetime1">
               <a:rPr lang="ko-KR" altLang="en-US" smtClean="0"/>
               <a:pPr/>
-              <a:t>2023-06-12</a:t>
+              <a:t>2023-06-13</a:t>
             </a:fld>
             <a:endParaRPr lang="ko-KR" altLang="en-US" dirty="0"/>
           </a:p>
@@ -19213,7 +19217,7 @@
             <a:fld id="{5F31BFAB-5A50-4862-991D-7095D6C5D4BE}" type="datetime1">
               <a:rPr lang="ko-KR" altLang="en-US" smtClean="0"/>
               <a:pPr/>
-              <a:t>2023-06-12</a:t>
+              <a:t>2023-06-13</a:t>
             </a:fld>
             <a:endParaRPr lang="ko-KR" altLang="en-US" dirty="0"/>
           </a:p>
@@ -19490,7 +19494,7 @@
             <a:fld id="{A3BD5271-FEFE-4914-869C-5327720A295E}" type="datetime1">
               <a:rPr lang="ko-KR" altLang="en-US" smtClean="0"/>
               <a:pPr/>
-              <a:t>2023-06-12</a:t>
+              <a:t>2023-06-13</a:t>
             </a:fld>
             <a:endParaRPr lang="ko-KR" altLang="en-US" dirty="0"/>
           </a:p>
@@ -19891,7 +19895,7 @@
             <a:fld id="{6961C815-1148-4AA6-9F9C-F8BBBFBB10CA}" type="datetime1">
               <a:rPr lang="ko-KR" altLang="en-US" smtClean="0"/>
               <a:pPr/>
-              <a:t>2023-06-12</a:t>
+              <a:t>2023-06-13</a:t>
             </a:fld>
             <a:endParaRPr lang="ko-KR" altLang="en-US" dirty="0"/>
           </a:p>
@@ -20012,7 +20016,7 @@
             <a:fld id="{A47AA9F1-F81C-4105-8A81-06D610EC4B63}" type="datetime1">
               <a:rPr lang="ko-KR" altLang="en-US" smtClean="0"/>
               <a:pPr/>
-              <a:t>2023-06-12</a:t>
+              <a:t>2023-06-13</a:t>
             </a:fld>
             <a:endParaRPr lang="ko-KR" altLang="en-US" dirty="0"/>
           </a:p>
@@ -20109,7 +20113,7 @@
             <a:fld id="{1F487A97-1A80-4798-B672-85D6AB250DCF}" type="datetime1">
               <a:rPr lang="ko-KR" altLang="en-US" smtClean="0"/>
               <a:pPr/>
-              <a:t>2023-06-12</a:t>
+              <a:t>2023-06-13</a:t>
             </a:fld>
             <a:endParaRPr lang="ko-KR" altLang="en-US" dirty="0"/>
           </a:p>
@@ -20402,7 +20406,7 @@
             <a:fld id="{EE653310-AD94-41CD-AC0F-1501C4EA6D6F}" type="datetime1">
               <a:rPr lang="ko-KR" altLang="en-US" smtClean="0"/>
               <a:pPr/>
-              <a:t>2023-06-12</a:t>
+              <a:t>2023-06-13</a:t>
             </a:fld>
             <a:endParaRPr lang="en-US" dirty="0"/>
           </a:p>
@@ -20686,7 +20690,7 @@
             <a:fld id="{A9C485AE-A5AE-4102-AAA7-CE7177004C64}" type="datetime1">
               <a:rPr lang="ko-KR" altLang="en-US" smtClean="0"/>
               <a:pPr/>
-              <a:t>2023-06-12</a:t>
+              <a:t>2023-06-13</a:t>
             </a:fld>
             <a:endParaRPr lang="ko-KR" altLang="en-US" dirty="0"/>
           </a:p>
@@ -20938,7 +20942,7 @@
             <a:fld id="{55E25835-15BF-46FE-B0BD-ED10F3056879}" type="datetime1">
               <a:rPr lang="ko-KR" altLang="en-US" smtClean="0"/>
               <a:pPr/>
-              <a:t>2023-06-12</a:t>
+              <a:t>2023-06-13</a:t>
             </a:fld>
             <a:endParaRPr lang="ko-KR" altLang="en-US" dirty="0"/>
           </a:p>
@@ -21691,24 +21695,14 @@
           <a:p>
             <a:pPr rtl="0"/>
             <a:r>
-              <a:rPr lang="en-US" altLang="ko-KR" dirty="0">
+              <a:rPr lang="ja-JP" altLang="en-US" dirty="0">
                 <a:solidFill>
                   <a:srgbClr val="FFFFFF"/>
                 </a:solidFill>
                 <a:latin typeface="맑은 고딕" panose="020B0503020000020004" pitchFamily="50" charset="-127"/>
                 <a:ea typeface="맑은 고딕" panose="020B0503020000020004" pitchFamily="50" charset="-127"/>
               </a:rPr>
-              <a:t>Sit Dolor </a:t>
-            </a:r>
-            <a:r>
-              <a:rPr lang="en-US" altLang="ko-KR" dirty="0" err="1">
-                <a:solidFill>
-                  <a:srgbClr val="FFFFFF"/>
-                </a:solidFill>
-                <a:latin typeface="맑은 고딕" panose="020B0503020000020004" pitchFamily="50" charset="-127"/>
-                <a:ea typeface="맑은 고딕" panose="020B0503020000020004" pitchFamily="50" charset="-127"/>
-              </a:rPr>
-              <a:t>Amet</a:t>
+              <a:t>徐　恃源</a:t>
             </a:r>
             <a:endParaRPr lang="ko-KR" altLang="en-US" dirty="0">
               <a:solidFill>
@@ -22190,6 +22184,950 @@
     <p:extLst>
       <p:ext uri="{BB962C8B-B14F-4D97-AF65-F5344CB8AC3E}">
         <p14:creationId xmlns:p14="http://schemas.microsoft.com/office/powerpoint/2010/main" val="2609083581"/>
+      </p:ext>
+    </p:extLst>
+  </p:cSld>
+  <p:clrMapOvr>
+    <a:masterClrMapping/>
+  </p:clrMapOvr>
+</p:sld>
+</file>
+
+<file path=ppt/slides/slide4.xml><?xml version="1.0" encoding="utf-8"?>
+<p:sld xmlns:a="http://schemas.openxmlformats.org/drawingml/2006/main" xmlns:r="http://schemas.openxmlformats.org/officeDocument/2006/relationships" xmlns:p="http://schemas.openxmlformats.org/presentationml/2006/main">
+  <p:cSld>
+    <p:spTree>
+      <p:nvGrpSpPr>
+        <p:cNvPr id="1" name=""/>
+        <p:cNvGrpSpPr/>
+        <p:nvPr/>
+      </p:nvGrpSpPr>
+      <p:grpSpPr>
+        <a:xfrm>
+          <a:off x="0" y="0"/>
+          <a:ext cx="0" cy="0"/>
+          <a:chOff x="0" y="0"/>
+          <a:chExt cx="0" cy="0"/>
+        </a:xfrm>
+      </p:grpSpPr>
+      <p:sp>
+        <p:nvSpPr>
+          <p:cNvPr id="2" name="제목 1">
+            <a:extLst>
+              <a:ext uri="{FF2B5EF4-FFF2-40B4-BE49-F238E27FC236}">
+                <a16:creationId xmlns:a16="http://schemas.microsoft.com/office/drawing/2014/main" id="{A1B86731-BD4B-7AF9-7372-E174A1B15E49}"/>
+              </a:ext>
+            </a:extLst>
+          </p:cNvPr>
+          <p:cNvSpPr>
+            <a:spLocks noGrp="1"/>
+          </p:cNvSpPr>
+          <p:nvPr>
+            <p:ph type="title"/>
+          </p:nvPr>
+        </p:nvSpPr>
+        <p:spPr/>
+        <p:txBody>
+          <a:bodyPr/>
+          <a:lstStyle/>
+          <a:p>
+            <a:r>
+              <a:rPr lang="en-US" altLang="ko-KR" dirty="0"/>
+              <a:t>Natural Language Processing</a:t>
+            </a:r>
+            <a:endParaRPr lang="ko-KR" altLang="en-US" dirty="0"/>
+          </a:p>
+        </p:txBody>
+      </p:sp>
+      <p:sp>
+        <p:nvSpPr>
+          <p:cNvPr id="3" name="TextBox 2">
+            <a:extLst>
+              <a:ext uri="{FF2B5EF4-FFF2-40B4-BE49-F238E27FC236}">
+                <a16:creationId xmlns:a16="http://schemas.microsoft.com/office/drawing/2014/main" id="{BE76A95D-90F7-F711-195B-BD26A2803B57}"/>
+              </a:ext>
+            </a:extLst>
+          </p:cNvPr>
+          <p:cNvSpPr txBox="1"/>
+          <p:nvPr/>
+        </p:nvSpPr>
+        <p:spPr>
+          <a:xfrm>
+            <a:off x="1024128" y="2457061"/>
+            <a:ext cx="7522713" cy="3970318"/>
+          </a:xfrm>
+          <a:prstGeom prst="rect">
+            <a:avLst/>
+          </a:prstGeom>
+          <a:noFill/>
+        </p:spPr>
+        <p:txBody>
+          <a:bodyPr wrap="square" rtlCol="0">
+            <a:spAutoFit/>
+          </a:bodyPr>
+          <a:lstStyle/>
+          <a:p>
+            <a:pPr marL="457200" indent="-457200">
+              <a:buFont typeface="Arial" panose="020B0604020202020204" pitchFamily="34" charset="0"/>
+              <a:buChar char="•"/>
+            </a:pPr>
+            <a:r>
+              <a:rPr lang="ja-JP" altLang="en-US" sz="3600" dirty="0"/>
+              <a:t>情報検索（</a:t>
+            </a:r>
+            <a:r>
+              <a:rPr lang="en-US" altLang="ja-JP" sz="3600" dirty="0"/>
+              <a:t>IR</a:t>
+            </a:r>
+            <a:r>
+              <a:rPr lang="ja-JP" altLang="en-US" sz="3600" dirty="0"/>
+              <a:t>）</a:t>
+            </a:r>
+            <a:endParaRPr lang="en-US" altLang="ja-JP" sz="3600" dirty="0"/>
+          </a:p>
+          <a:p>
+            <a:pPr marL="457200" indent="-457200">
+              <a:buFont typeface="Arial" panose="020B0604020202020204" pitchFamily="34" charset="0"/>
+              <a:buChar char="•"/>
+            </a:pPr>
+            <a:r>
+              <a:rPr lang="ja-JP" altLang="en-US" sz="3600" dirty="0"/>
+              <a:t>情報抽出（</a:t>
+            </a:r>
+            <a:r>
+              <a:rPr lang="en-US" altLang="ja-JP" sz="3600" dirty="0"/>
+              <a:t>IE</a:t>
+            </a:r>
+            <a:r>
+              <a:rPr lang="ja-JP" altLang="en-US" sz="3600" dirty="0"/>
+              <a:t>）</a:t>
+            </a:r>
+            <a:endParaRPr lang="en-US" altLang="ja-JP" sz="3600" dirty="0"/>
+          </a:p>
+          <a:p>
+            <a:pPr marL="457200" indent="-457200">
+              <a:buFont typeface="Arial" panose="020B0604020202020204" pitchFamily="34" charset="0"/>
+              <a:buChar char="•"/>
+            </a:pPr>
+            <a:r>
+              <a:rPr lang="ja-JP" altLang="en-US" sz="3600" dirty="0"/>
+              <a:t>音声認識（</a:t>
+            </a:r>
+            <a:r>
+              <a:rPr lang="en-US" altLang="ja-JP" sz="3600" dirty="0"/>
+              <a:t>STT</a:t>
+            </a:r>
+            <a:r>
+              <a:rPr lang="ja-JP" altLang="en-US" sz="3600" dirty="0"/>
+              <a:t>）</a:t>
+            </a:r>
+            <a:endParaRPr lang="en-US" altLang="ja-JP" sz="3600" dirty="0"/>
+          </a:p>
+          <a:p>
+            <a:pPr marL="457200" indent="-457200">
+              <a:buFont typeface="Arial" panose="020B0604020202020204" pitchFamily="34" charset="0"/>
+              <a:buChar char="•"/>
+            </a:pPr>
+            <a:r>
+              <a:rPr lang="ja-JP" altLang="en-US" sz="3600" dirty="0"/>
+              <a:t>単語分類（</a:t>
+            </a:r>
+            <a:r>
+              <a:rPr lang="en-US" altLang="ja-JP" sz="3600" dirty="0"/>
+              <a:t>Word Classification)</a:t>
+            </a:r>
+          </a:p>
+          <a:p>
+            <a:pPr marL="457200" indent="-457200">
+              <a:buFont typeface="Arial" panose="020B0604020202020204" pitchFamily="34" charset="0"/>
+              <a:buChar char="•"/>
+            </a:pPr>
+            <a:r>
+              <a:rPr lang="ja-JP" altLang="en-US" sz="3600" dirty="0">
+                <a:solidFill>
+                  <a:srgbClr val="0070C0"/>
+                </a:solidFill>
+              </a:rPr>
+              <a:t>感情分析（</a:t>
+            </a:r>
+            <a:r>
+              <a:rPr lang="en-US" altLang="ja-JP" sz="3600" dirty="0">
+                <a:solidFill>
+                  <a:srgbClr val="0070C0"/>
+                </a:solidFill>
+              </a:rPr>
+              <a:t>Sentiment Analysis</a:t>
+            </a:r>
+            <a:r>
+              <a:rPr lang="ja-JP" altLang="en-US" sz="3600" dirty="0">
+                <a:solidFill>
+                  <a:srgbClr val="0070C0"/>
+                </a:solidFill>
+              </a:rPr>
+              <a:t>）</a:t>
+            </a:r>
+            <a:endParaRPr lang="en-US" altLang="ja-JP" sz="3600" dirty="0">
+              <a:solidFill>
+                <a:srgbClr val="0070C0"/>
+              </a:solidFill>
+            </a:endParaRPr>
+          </a:p>
+          <a:p>
+            <a:pPr marL="457200" indent="-457200">
+              <a:buFont typeface="Arial" panose="020B0604020202020204" pitchFamily="34" charset="0"/>
+              <a:buChar char="•"/>
+            </a:pPr>
+            <a:r>
+              <a:rPr lang="ja-JP" altLang="en-US" sz="3600" dirty="0">
+                <a:solidFill>
+                  <a:srgbClr val="0070C0"/>
+                </a:solidFill>
+              </a:rPr>
+              <a:t>会話システム（</a:t>
+            </a:r>
+            <a:r>
+              <a:rPr lang="en-US" altLang="ja-JP" sz="3600" dirty="0">
+                <a:solidFill>
+                  <a:srgbClr val="0070C0"/>
+                </a:solidFill>
+              </a:rPr>
+              <a:t>Dialogue System</a:t>
+            </a:r>
+            <a:r>
+              <a:rPr lang="ja-JP" altLang="en-US" sz="3600" dirty="0">
+                <a:solidFill>
+                  <a:srgbClr val="0070C0"/>
+                </a:solidFill>
+              </a:rPr>
+              <a:t>）</a:t>
+            </a:r>
+            <a:endParaRPr lang="en-US" altLang="ja-JP" sz="3600" dirty="0">
+              <a:solidFill>
+                <a:srgbClr val="0070C0"/>
+              </a:solidFill>
+            </a:endParaRPr>
+          </a:p>
+          <a:p>
+            <a:pPr marL="457200" indent="-457200">
+              <a:buFont typeface="Arial" panose="020B0604020202020204" pitchFamily="34" charset="0"/>
+              <a:buChar char="•"/>
+            </a:pPr>
+            <a:r>
+              <a:rPr lang="ja-JP" altLang="en-US" sz="3600" dirty="0"/>
+              <a:t>機械翻訳（</a:t>
+            </a:r>
+            <a:r>
+              <a:rPr lang="en-US" altLang="ja-JP" sz="3600" dirty="0"/>
+              <a:t>Machine Translation</a:t>
+            </a:r>
+            <a:r>
+              <a:rPr lang="ja-JP" altLang="en-US" sz="3600" dirty="0"/>
+              <a:t>）</a:t>
+            </a:r>
+            <a:endParaRPr lang="ko-KR" altLang="en-US" sz="3600" dirty="0"/>
+          </a:p>
+        </p:txBody>
+      </p:sp>
+      <p:pic>
+        <p:nvPicPr>
+          <p:cNvPr id="5" name="그림 4" descr="로고, 그래픽, 폰트, 상징이(가) 표시된 사진&#10;&#10;자동 생성된 설명">
+            <a:extLst>
+              <a:ext uri="{FF2B5EF4-FFF2-40B4-BE49-F238E27FC236}">
+                <a16:creationId xmlns:a16="http://schemas.microsoft.com/office/drawing/2014/main" id="{6B6F2646-E1FB-C4ED-49FA-250DB761E80F}"/>
+              </a:ext>
+            </a:extLst>
+          </p:cNvPr>
+          <p:cNvPicPr>
+            <a:picLocks noChangeAspect="1"/>
+          </p:cNvPicPr>
+          <p:nvPr/>
+        </p:nvPicPr>
+        <p:blipFill>
+          <a:blip r:embed="rId2"/>
+          <a:stretch>
+            <a:fillRect/>
+          </a:stretch>
+        </p:blipFill>
+        <p:spPr>
+          <a:xfrm>
+            <a:off x="8272972" y="1822582"/>
+            <a:ext cx="3497062" cy="2127379"/>
+          </a:xfrm>
+          <a:prstGeom prst="rect">
+            <a:avLst/>
+          </a:prstGeom>
+        </p:spPr>
+      </p:pic>
+      <p:pic>
+        <p:nvPicPr>
+          <p:cNvPr id="7" name="그림 6" descr="손목시계, 시계, 원, 스크린샷이(가) 표시된 사진&#10;&#10;자동 생성된 설명">
+            <a:extLst>
+              <a:ext uri="{FF2B5EF4-FFF2-40B4-BE49-F238E27FC236}">
+                <a16:creationId xmlns:a16="http://schemas.microsoft.com/office/drawing/2014/main" id="{603105E7-557E-7711-88B9-EBC8826F93A5}"/>
+              </a:ext>
+            </a:extLst>
+          </p:cNvPr>
+          <p:cNvPicPr>
+            <a:picLocks noChangeAspect="1"/>
+          </p:cNvPicPr>
+          <p:nvPr/>
+        </p:nvPicPr>
+        <p:blipFill>
+          <a:blip r:embed="rId3"/>
+          <a:stretch>
+            <a:fillRect/>
+          </a:stretch>
+        </p:blipFill>
+        <p:spPr>
+          <a:xfrm>
+            <a:off x="9326746" y="3942992"/>
+            <a:ext cx="2443288" cy="2443288"/>
+          </a:xfrm>
+          <a:prstGeom prst="rect">
+            <a:avLst/>
+          </a:prstGeom>
+        </p:spPr>
+      </p:pic>
+    </p:spTree>
+    <p:extLst>
+      <p:ext uri="{BB962C8B-B14F-4D97-AF65-F5344CB8AC3E}">
+        <p14:creationId xmlns:p14="http://schemas.microsoft.com/office/powerpoint/2010/main" val="1601736846"/>
+      </p:ext>
+    </p:extLst>
+  </p:cSld>
+  <p:clrMapOvr>
+    <a:masterClrMapping/>
+  </p:clrMapOvr>
+</p:sld>
+</file>
+
+<file path=ppt/slides/slide5.xml><?xml version="1.0" encoding="utf-8"?>
+<p:sld xmlns:a="http://schemas.openxmlformats.org/drawingml/2006/main" xmlns:r="http://schemas.openxmlformats.org/officeDocument/2006/relationships" xmlns:p="http://schemas.openxmlformats.org/presentationml/2006/main">
+  <p:cSld>
+    <p:spTree>
+      <p:nvGrpSpPr>
+        <p:cNvPr id="1" name=""/>
+        <p:cNvGrpSpPr/>
+        <p:nvPr/>
+      </p:nvGrpSpPr>
+      <p:grpSpPr>
+        <a:xfrm>
+          <a:off x="0" y="0"/>
+          <a:ext cx="0" cy="0"/>
+          <a:chOff x="0" y="0"/>
+          <a:chExt cx="0" cy="0"/>
+        </a:xfrm>
+      </p:grpSpPr>
+      <p:sp>
+        <p:nvSpPr>
+          <p:cNvPr id="2" name="제목 1">
+            <a:extLst>
+              <a:ext uri="{FF2B5EF4-FFF2-40B4-BE49-F238E27FC236}">
+                <a16:creationId xmlns:a16="http://schemas.microsoft.com/office/drawing/2014/main" id="{6D193466-EF04-089C-982F-E160DED7F997}"/>
+              </a:ext>
+            </a:extLst>
+          </p:cNvPr>
+          <p:cNvSpPr>
+            <a:spLocks noGrp="1"/>
+          </p:cNvSpPr>
+          <p:nvPr>
+            <p:ph type="title"/>
+          </p:nvPr>
+        </p:nvSpPr>
+        <p:spPr/>
+        <p:txBody>
+          <a:bodyPr/>
+          <a:lstStyle/>
+          <a:p>
+            <a:r>
+              <a:rPr lang="ja-JP" altLang="en-US" dirty="0"/>
+              <a:t>感情を反映したチャットボット</a:t>
+            </a:r>
+            <a:endParaRPr lang="ko-KR" altLang="en-US" dirty="0"/>
+          </a:p>
+        </p:txBody>
+      </p:sp>
+      <p:pic>
+        <p:nvPicPr>
+          <p:cNvPr id="3" name="Picture 2" descr="VAD(Valence-Arousal-Dominance) 모델은 ...">
+            <a:extLst>
+              <a:ext uri="{FF2B5EF4-FFF2-40B4-BE49-F238E27FC236}">
+                <a16:creationId xmlns:a16="http://schemas.microsoft.com/office/drawing/2014/main" id="{28212FBA-41E5-74BC-B2EE-0C5AAE60EEC6}"/>
+              </a:ext>
+            </a:extLst>
+          </p:cNvPr>
+          <p:cNvPicPr>
+            <a:picLocks noChangeAspect="1" noChangeArrowheads="1"/>
+          </p:cNvPicPr>
+          <p:nvPr/>
+        </p:nvPicPr>
+        <p:blipFill>
+          <a:blip r:embed="rId2">
+            <a:extLst>
+              <a:ext uri="{28A0092B-C50C-407E-A947-70E740481C1C}">
+                <a14:useLocalDpi xmlns:a14="http://schemas.microsoft.com/office/drawing/2010/main" val="0"/>
+              </a:ext>
+            </a:extLst>
+          </a:blip>
+          <a:srcRect/>
+          <a:stretch>
+            <a:fillRect/>
+          </a:stretch>
+        </p:blipFill>
+        <p:spPr bwMode="auto">
+          <a:xfrm>
+            <a:off x="7077075" y="2259960"/>
+            <a:ext cx="4543929" cy="3148676"/>
+          </a:xfrm>
+          <a:prstGeom prst="rect">
+            <a:avLst/>
+          </a:prstGeom>
+          <a:noFill/>
+          <a:extLst>
+            <a:ext uri="{909E8E84-426E-40DD-AFC4-6F175D3DCCD1}">
+              <a14:hiddenFill xmlns:a14="http://schemas.microsoft.com/office/drawing/2010/main">
+                <a:solidFill>
+                  <a:srgbClr val="FFFFFF"/>
+                </a:solidFill>
+              </a14:hiddenFill>
+            </a:ext>
+          </a:extLst>
+        </p:spPr>
+      </p:pic>
+      <p:sp>
+        <p:nvSpPr>
+          <p:cNvPr id="4" name="テキスト ボックス 2">
+            <a:extLst>
+              <a:ext uri="{FF2B5EF4-FFF2-40B4-BE49-F238E27FC236}">
+                <a16:creationId xmlns:a16="http://schemas.microsoft.com/office/drawing/2014/main" id="{16F32C98-4257-6540-A14B-F7765456F751}"/>
+              </a:ext>
+            </a:extLst>
+          </p:cNvPr>
+          <p:cNvSpPr txBox="1"/>
+          <p:nvPr/>
+        </p:nvSpPr>
+        <p:spPr>
+          <a:xfrm>
+            <a:off x="7013274" y="5411249"/>
+            <a:ext cx="4873925" cy="400110"/>
+          </a:xfrm>
+          <a:prstGeom prst="rect">
+            <a:avLst/>
+          </a:prstGeom>
+          <a:noFill/>
+        </p:spPr>
+        <p:txBody>
+          <a:bodyPr wrap="square" rtlCol="0">
+            <a:spAutoFit/>
+          </a:bodyPr>
+          <a:lstStyle/>
+          <a:p>
+            <a:r>
+              <a:rPr lang="en-US" altLang="ja-JP" sz="1000" b="0" i="0" dirty="0">
+                <a:solidFill>
+                  <a:schemeClr val="tx1">
+                    <a:lumMod val="85000"/>
+                    <a:lumOff val="15000"/>
+                  </a:schemeClr>
+                </a:solidFill>
+                <a:effectLst/>
+                <a:latin typeface="Abadi" panose="020B0604020104020204" pitchFamily="34" charset="0"/>
+              </a:rPr>
+              <a:t>Emo Bank </a:t>
+            </a:r>
+            <a:r>
+              <a:rPr lang="en-US" altLang="ja-JP" sz="1000" b="0" i="0" u="none" strike="noStrike" dirty="0">
+                <a:solidFill>
+                  <a:schemeClr val="tx1">
+                    <a:lumMod val="85000"/>
+                    <a:lumOff val="15000"/>
+                  </a:schemeClr>
+                </a:solidFill>
+                <a:effectLst/>
+                <a:latin typeface="Abadi" panose="020B0604020104020204" pitchFamily="34" charset="0"/>
+                <a:hlinkClick r:id="rId3">
+                  <a:extLst>
+                    <a:ext uri="{A12FA001-AC4F-418D-AE19-62706E023703}">
+                      <ahyp:hlinkClr xmlns:ahyp="http://schemas.microsoft.com/office/drawing/2018/hyperlinkcolor" val="tx"/>
+                    </a:ext>
+                  </a:extLst>
+                </a:hlinkClick>
+              </a:rPr>
+              <a:t>An Analysis of Annotated Corpora for Emotion Classification in Text</a:t>
+            </a:r>
+            <a:r>
+              <a:rPr lang="en-US" altLang="ja-JP" sz="1000" b="0" i="0" dirty="0">
+                <a:solidFill>
+                  <a:schemeClr val="tx1">
+                    <a:lumMod val="85000"/>
+                    <a:lumOff val="15000"/>
+                  </a:schemeClr>
+                </a:solidFill>
+                <a:effectLst/>
+                <a:latin typeface="Abadi" panose="020B0604020104020204" pitchFamily="34" charset="0"/>
+              </a:rPr>
+              <a:t> (</a:t>
+            </a:r>
+            <a:r>
+              <a:rPr lang="en-US" altLang="ja-JP" sz="1000" b="0" i="0" dirty="0" err="1">
+                <a:solidFill>
+                  <a:schemeClr val="tx1">
+                    <a:lumMod val="85000"/>
+                    <a:lumOff val="15000"/>
+                  </a:schemeClr>
+                </a:solidFill>
+                <a:effectLst/>
+                <a:latin typeface="Abadi" panose="020B0604020104020204" pitchFamily="34" charset="0"/>
+              </a:rPr>
+              <a:t>Bostan</a:t>
+            </a:r>
+            <a:r>
+              <a:rPr lang="en-US" altLang="ja-JP" sz="1000" b="0" i="0" dirty="0">
+                <a:solidFill>
+                  <a:schemeClr val="tx1">
+                    <a:lumMod val="85000"/>
+                    <a:lumOff val="15000"/>
+                  </a:schemeClr>
+                </a:solidFill>
+                <a:effectLst/>
+                <a:latin typeface="Abadi" panose="020B0604020104020204" pitchFamily="34" charset="0"/>
+              </a:rPr>
+              <a:t> &amp; Klinger, COLING 2018)</a:t>
+            </a:r>
+            <a:endParaRPr kumimoji="1" lang="ja-JP" altLang="en-US" sz="1000" dirty="0">
+              <a:solidFill>
+                <a:schemeClr val="tx1">
+                  <a:lumMod val="85000"/>
+                  <a:lumOff val="15000"/>
+                </a:schemeClr>
+              </a:solidFill>
+              <a:latin typeface="Abadi" panose="020B0604020104020204" pitchFamily="34" charset="0"/>
+            </a:endParaRPr>
+          </a:p>
+        </p:txBody>
+      </p:sp>
+      <p:pic>
+        <p:nvPicPr>
+          <p:cNvPr id="5" name="Picture 2">
+            <a:extLst>
+              <a:ext uri="{FF2B5EF4-FFF2-40B4-BE49-F238E27FC236}">
+                <a16:creationId xmlns:a16="http://schemas.microsoft.com/office/drawing/2014/main" id="{28D213DF-6202-6D09-7A97-81B0E411B89D}"/>
+              </a:ext>
+            </a:extLst>
+          </p:cNvPr>
+          <p:cNvPicPr>
+            <a:picLocks noChangeAspect="1" noChangeArrowheads="1"/>
+          </p:cNvPicPr>
+          <p:nvPr/>
+        </p:nvPicPr>
+        <p:blipFill>
+          <a:blip r:embed="rId4">
+            <a:extLst>
+              <a:ext uri="{28A0092B-C50C-407E-A947-70E740481C1C}">
+                <a14:useLocalDpi xmlns:a14="http://schemas.microsoft.com/office/drawing/2010/main" val="0"/>
+              </a:ext>
+            </a:extLst>
+          </a:blip>
+          <a:srcRect/>
+          <a:stretch>
+            <a:fillRect/>
+          </a:stretch>
+        </p:blipFill>
+        <p:spPr bwMode="auto">
+          <a:xfrm>
+            <a:off x="826033" y="2958450"/>
+            <a:ext cx="5629275" cy="2133600"/>
+          </a:xfrm>
+          <a:prstGeom prst="rect">
+            <a:avLst/>
+          </a:prstGeom>
+          <a:noFill/>
+          <a:extLst>
+            <a:ext uri="{909E8E84-426E-40DD-AFC4-6F175D3DCCD1}">
+              <a14:hiddenFill xmlns:a14="http://schemas.microsoft.com/office/drawing/2010/main">
+                <a:solidFill>
+                  <a:srgbClr val="FFFFFF"/>
+                </a:solidFill>
+              </a14:hiddenFill>
+            </a:ext>
+          </a:extLst>
+        </p:spPr>
+      </p:pic>
+      <p:sp>
+        <p:nvSpPr>
+          <p:cNvPr id="6" name="テキスト ボックス 19">
+            <a:extLst>
+              <a:ext uri="{FF2B5EF4-FFF2-40B4-BE49-F238E27FC236}">
+                <a16:creationId xmlns:a16="http://schemas.microsoft.com/office/drawing/2014/main" id="{32F658D5-F72A-16CF-2540-EBBF3FE63EE0}"/>
+              </a:ext>
+            </a:extLst>
+          </p:cNvPr>
+          <p:cNvSpPr txBox="1"/>
+          <p:nvPr/>
+        </p:nvSpPr>
+        <p:spPr>
+          <a:xfrm>
+            <a:off x="570996" y="5162415"/>
+            <a:ext cx="6339877" cy="246221"/>
+          </a:xfrm>
+          <a:prstGeom prst="rect">
+            <a:avLst/>
+          </a:prstGeom>
+          <a:noFill/>
+        </p:spPr>
+        <p:txBody>
+          <a:bodyPr wrap="square" rtlCol="0">
+            <a:spAutoFit/>
+          </a:bodyPr>
+          <a:lstStyle/>
+          <a:p>
+            <a:pPr algn="ctr"/>
+            <a:r>
+              <a:rPr kumimoji="1" lang="en-US" altLang="ja-JP" sz="1000" dirty="0">
+                <a:latin typeface="Abadi" panose="020B0604020104020204" pitchFamily="34" charset="0"/>
+              </a:rPr>
+              <a:t>Vaswani, Ashish, et al. "Attention is all you need." Advances in neural information processing systems 30 (2017).</a:t>
+            </a:r>
+          </a:p>
+        </p:txBody>
+      </p:sp>
+    </p:spTree>
+    <p:extLst>
+      <p:ext uri="{BB962C8B-B14F-4D97-AF65-F5344CB8AC3E}">
+        <p14:creationId xmlns:p14="http://schemas.microsoft.com/office/powerpoint/2010/main" val="3215062938"/>
+      </p:ext>
+    </p:extLst>
+  </p:cSld>
+  <p:clrMapOvr>
+    <a:masterClrMapping/>
+  </p:clrMapOvr>
+</p:sld>
+</file>
+
+<file path=ppt/slides/slide6.xml><?xml version="1.0" encoding="utf-8"?>
+<p:sld xmlns:a="http://schemas.openxmlformats.org/drawingml/2006/main" xmlns:r="http://schemas.openxmlformats.org/officeDocument/2006/relationships" xmlns:p="http://schemas.openxmlformats.org/presentationml/2006/main">
+  <p:cSld>
+    <p:spTree>
+      <p:nvGrpSpPr>
+        <p:cNvPr id="1" name=""/>
+        <p:cNvGrpSpPr/>
+        <p:nvPr/>
+      </p:nvGrpSpPr>
+      <p:grpSpPr>
+        <a:xfrm>
+          <a:off x="0" y="0"/>
+          <a:ext cx="0" cy="0"/>
+          <a:chOff x="0" y="0"/>
+          <a:chExt cx="0" cy="0"/>
+        </a:xfrm>
+      </p:grpSpPr>
+      <p:sp>
+        <p:nvSpPr>
+          <p:cNvPr id="2" name="제목 1">
+            <a:extLst>
+              <a:ext uri="{FF2B5EF4-FFF2-40B4-BE49-F238E27FC236}">
+                <a16:creationId xmlns:a16="http://schemas.microsoft.com/office/drawing/2014/main" id="{3E26C067-D13D-9761-55D8-F22075EC488B}"/>
+              </a:ext>
+            </a:extLst>
+          </p:cNvPr>
+          <p:cNvSpPr>
+            <a:spLocks noGrp="1"/>
+          </p:cNvSpPr>
+          <p:nvPr>
+            <p:ph type="title"/>
+          </p:nvPr>
+        </p:nvSpPr>
+        <p:spPr/>
+        <p:txBody>
+          <a:bodyPr/>
+          <a:lstStyle/>
+          <a:p>
+            <a:r>
+              <a:rPr lang="en-US" altLang="ko-KR" dirty="0"/>
+              <a:t>VAD</a:t>
+            </a:r>
+            <a:r>
+              <a:rPr lang="ja-JP" altLang="en-US" dirty="0"/>
+              <a:t>次元の間の相関関係</a:t>
+            </a:r>
+            <a:endParaRPr lang="ko-KR" altLang="en-US" dirty="0"/>
+          </a:p>
+        </p:txBody>
+      </p:sp>
+      <p:pic>
+        <p:nvPicPr>
+          <p:cNvPr id="4" name="그림 3" descr="텍스트, 스크린샷, 도표, 디자인이(가) 표시된 사진&#10;&#10;자동 생성된 설명">
+            <a:extLst>
+              <a:ext uri="{FF2B5EF4-FFF2-40B4-BE49-F238E27FC236}">
+                <a16:creationId xmlns:a16="http://schemas.microsoft.com/office/drawing/2014/main" id="{FC8E9699-56F7-2FA4-6036-A30D21AB44A8}"/>
+              </a:ext>
+            </a:extLst>
+          </p:cNvPr>
+          <p:cNvPicPr>
+            <a:picLocks noChangeAspect="1"/>
+          </p:cNvPicPr>
+          <p:nvPr/>
+        </p:nvPicPr>
+        <p:blipFill>
+          <a:blip r:embed="rId2"/>
+          <a:stretch>
+            <a:fillRect/>
+          </a:stretch>
+        </p:blipFill>
+        <p:spPr>
+          <a:xfrm>
+            <a:off x="2058955" y="2084832"/>
+            <a:ext cx="8074090" cy="3906818"/>
+          </a:xfrm>
+          <a:prstGeom prst="rect">
+            <a:avLst/>
+          </a:prstGeom>
+        </p:spPr>
+      </p:pic>
+      <p:sp>
+        <p:nvSpPr>
+          <p:cNvPr id="5" name="TextBox 4">
+            <a:extLst>
+              <a:ext uri="{FF2B5EF4-FFF2-40B4-BE49-F238E27FC236}">
+                <a16:creationId xmlns:a16="http://schemas.microsoft.com/office/drawing/2014/main" id="{A7AD469E-0232-D2E3-FF1A-A4E2AC5B7215}"/>
+              </a:ext>
+            </a:extLst>
+          </p:cNvPr>
+          <p:cNvSpPr txBox="1"/>
+          <p:nvPr/>
+        </p:nvSpPr>
+        <p:spPr>
+          <a:xfrm>
+            <a:off x="2506824" y="5960448"/>
+            <a:ext cx="7178351" cy="246221"/>
+          </a:xfrm>
+          <a:prstGeom prst="rect">
+            <a:avLst/>
+          </a:prstGeom>
+          <a:noFill/>
+        </p:spPr>
+        <p:txBody>
+          <a:bodyPr wrap="square" rtlCol="0">
+            <a:spAutoFit/>
+          </a:bodyPr>
+          <a:lstStyle/>
+          <a:p>
+            <a:pPr algn="ctr"/>
+            <a:r>
+              <a:rPr lang="en-US" altLang="ko-KR" sz="1000" dirty="0">
+                <a:latin typeface="Abadi" panose="020B0604020104020204" pitchFamily="34" charset="0"/>
+              </a:rPr>
+              <a:t>"</a:t>
+            </a:r>
+            <a:r>
+              <a:rPr lang="en-US" altLang="ko-KR" sz="1000" dirty="0" err="1">
+                <a:latin typeface="Abadi" panose="020B0604020104020204" pitchFamily="34" charset="0"/>
+              </a:rPr>
+              <a:t>Intoroduction</a:t>
+            </a:r>
+            <a:r>
+              <a:rPr lang="en-US" altLang="ko-KR" sz="1000" dirty="0">
+                <a:latin typeface="Abadi" panose="020B0604020104020204" pitchFamily="34" charset="0"/>
+              </a:rPr>
+              <a:t> to </a:t>
+            </a:r>
+            <a:r>
+              <a:rPr lang="en-US" altLang="ko-KR" sz="1000" dirty="0" err="1">
+                <a:latin typeface="Abadi" panose="020B0604020104020204" pitchFamily="34" charset="0"/>
+              </a:rPr>
+              <a:t>XGBoost</a:t>
+            </a:r>
+            <a:r>
+              <a:rPr lang="en-US" altLang="ko-KR" sz="1000" dirty="0">
+                <a:latin typeface="Abadi" panose="020B0604020104020204" pitchFamily="34" charset="0"/>
+              </a:rPr>
+              <a:t> in Python", (Ishan Shah, 2020)</a:t>
+            </a:r>
+            <a:endParaRPr lang="ko-KR" altLang="en-US" sz="1000" dirty="0">
+              <a:latin typeface="Abadi" panose="020B0604020104020204" pitchFamily="34" charset="0"/>
+            </a:endParaRPr>
+          </a:p>
+        </p:txBody>
+      </p:sp>
+    </p:spTree>
+    <p:extLst>
+      <p:ext uri="{BB962C8B-B14F-4D97-AF65-F5344CB8AC3E}">
+        <p14:creationId xmlns:p14="http://schemas.microsoft.com/office/powerpoint/2010/main" val="2020634550"/>
+      </p:ext>
+    </p:extLst>
+  </p:cSld>
+  <p:clrMapOvr>
+    <a:masterClrMapping/>
+  </p:clrMapOvr>
+</p:sld>
+</file>
+
+<file path=ppt/slides/slide7.xml><?xml version="1.0" encoding="utf-8"?>
+<p:sld xmlns:a="http://schemas.openxmlformats.org/drawingml/2006/main" xmlns:r="http://schemas.openxmlformats.org/officeDocument/2006/relationships" xmlns:p="http://schemas.openxmlformats.org/presentationml/2006/main">
+  <p:cSld>
+    <p:spTree>
+      <p:nvGrpSpPr>
+        <p:cNvPr id="1" name=""/>
+        <p:cNvGrpSpPr/>
+        <p:nvPr/>
+      </p:nvGrpSpPr>
+      <p:grpSpPr>
+        <a:xfrm>
+          <a:off x="0" y="0"/>
+          <a:ext cx="0" cy="0"/>
+          <a:chOff x="0" y="0"/>
+          <a:chExt cx="0" cy="0"/>
+        </a:xfrm>
+      </p:grpSpPr>
+      <p:sp>
+        <p:nvSpPr>
+          <p:cNvPr id="3" name="TextBox 2">
+            <a:extLst>
+              <a:ext uri="{FF2B5EF4-FFF2-40B4-BE49-F238E27FC236}">
+                <a16:creationId xmlns:a16="http://schemas.microsoft.com/office/drawing/2014/main" id="{94B88F9B-1AFC-08E9-13DE-E8A28933CF6B}"/>
+              </a:ext>
+            </a:extLst>
+          </p:cNvPr>
+          <p:cNvSpPr txBox="1"/>
+          <p:nvPr/>
+        </p:nvSpPr>
+        <p:spPr>
+          <a:xfrm>
+            <a:off x="1290735" y="730325"/>
+            <a:ext cx="9610530" cy="830997"/>
+          </a:xfrm>
+          <a:prstGeom prst="rect">
+            <a:avLst/>
+          </a:prstGeom>
+          <a:noFill/>
+        </p:spPr>
+        <p:txBody>
+          <a:bodyPr wrap="square" rtlCol="0">
+            <a:spAutoFit/>
+          </a:bodyPr>
+          <a:lstStyle/>
+          <a:p>
+            <a:pPr algn="ctr"/>
+            <a:r>
+              <a:rPr lang="ja-JP" altLang="en-US" sz="4800" dirty="0"/>
+              <a:t>ご清聴ありがとうございました。</a:t>
+            </a:r>
+            <a:endParaRPr lang="ko-KR" altLang="en-US" sz="4800" dirty="0"/>
+          </a:p>
+        </p:txBody>
+      </p:sp>
+      <p:sp>
+        <p:nvSpPr>
+          <p:cNvPr id="4" name="TextBox 3">
+            <a:extLst>
+              <a:ext uri="{FF2B5EF4-FFF2-40B4-BE49-F238E27FC236}">
+                <a16:creationId xmlns:a16="http://schemas.microsoft.com/office/drawing/2014/main" id="{05E8275D-34FD-4A64-2D8A-1F2F8D549B5D}"/>
+              </a:ext>
+            </a:extLst>
+          </p:cNvPr>
+          <p:cNvSpPr txBox="1"/>
+          <p:nvPr/>
+        </p:nvSpPr>
+        <p:spPr>
+          <a:xfrm>
+            <a:off x="2870718" y="2839073"/>
+            <a:ext cx="6450564" cy="1077218"/>
+          </a:xfrm>
+          <a:prstGeom prst="rect">
+            <a:avLst/>
+          </a:prstGeom>
+          <a:noFill/>
+        </p:spPr>
+        <p:txBody>
+          <a:bodyPr wrap="square" rtlCol="0">
+            <a:spAutoFit/>
+          </a:bodyPr>
+          <a:lstStyle/>
+          <a:p>
+            <a:pPr algn="ctr"/>
+            <a:r>
+              <a:rPr lang="en-US" altLang="ja-JP" sz="3200" dirty="0"/>
+              <a:t>NLP</a:t>
+            </a:r>
+            <a:r>
+              <a:rPr lang="ja-JP" altLang="en-US" sz="3200" dirty="0"/>
+              <a:t>に興味を持たせてくれた方！是非、</a:t>
+            </a:r>
+            <a:r>
+              <a:rPr lang="en-US" altLang="ja-JP" sz="3200" dirty="0"/>
+              <a:t>NLP</a:t>
+            </a:r>
+            <a:r>
+              <a:rPr lang="ja-JP" altLang="en-US" sz="3200" dirty="0"/>
+              <a:t>に入門しましょう！</a:t>
+            </a:r>
+            <a:r>
+              <a:rPr lang="en-US" altLang="ja-JP" sz="3200" dirty="0"/>
+              <a:t>:)</a:t>
+            </a:r>
+            <a:endParaRPr lang="ko-KR" altLang="en-US" sz="3200" dirty="0"/>
+          </a:p>
+        </p:txBody>
+      </p:sp>
+      <p:sp>
+        <p:nvSpPr>
+          <p:cNvPr id="7" name="TextBox 6">
+            <a:extLst>
+              <a:ext uri="{FF2B5EF4-FFF2-40B4-BE49-F238E27FC236}">
+                <a16:creationId xmlns:a16="http://schemas.microsoft.com/office/drawing/2014/main" id="{321A3531-D6CF-9FEF-9B96-E720E137DB7F}"/>
+              </a:ext>
+            </a:extLst>
+          </p:cNvPr>
+          <p:cNvSpPr txBox="1"/>
+          <p:nvPr/>
+        </p:nvSpPr>
+        <p:spPr>
+          <a:xfrm>
+            <a:off x="6960636" y="5194042"/>
+            <a:ext cx="4957666" cy="1384995"/>
+          </a:xfrm>
+          <a:prstGeom prst="rect">
+            <a:avLst/>
+          </a:prstGeom>
+          <a:noFill/>
+        </p:spPr>
+        <p:txBody>
+          <a:bodyPr wrap="square" rtlCol="0">
+            <a:spAutoFit/>
+          </a:bodyPr>
+          <a:lstStyle/>
+          <a:p>
+            <a:pPr algn="r"/>
+            <a:r>
+              <a:rPr lang="ja-JP" altLang="en-US" sz="2800" dirty="0"/>
+              <a:t>徐　恃源 </a:t>
+            </a:r>
+            <a:r>
+              <a:rPr lang="en-US" altLang="ja-JP" sz="2800" dirty="0"/>
+              <a:t>(Siwon Seo)</a:t>
+            </a:r>
+          </a:p>
+          <a:p>
+            <a:pPr algn="r"/>
+            <a:r>
+              <a:rPr lang="en-US" altLang="ko-KR" sz="2800" dirty="0"/>
+              <a:t>github.com/sion1225</a:t>
+            </a:r>
+          </a:p>
+          <a:p>
+            <a:pPr algn="r"/>
+            <a:r>
+              <a:rPr lang="en-US" altLang="ko-KR" sz="2800" dirty="0"/>
+              <a:t>visiopo44@gmail.com</a:t>
+            </a:r>
+            <a:endParaRPr lang="ko-KR" altLang="en-US" sz="2800" dirty="0"/>
+          </a:p>
+        </p:txBody>
+      </p:sp>
+    </p:spTree>
+    <p:extLst>
+      <p:ext uri="{BB962C8B-B14F-4D97-AF65-F5344CB8AC3E}">
+        <p14:creationId xmlns:p14="http://schemas.microsoft.com/office/powerpoint/2010/main" val="250644464"/>
       </p:ext>
     </p:extLst>
   </p:cSld>
@@ -23032,6 +23970,15 @@
 </file>
 
 <file path=customXml/item2.xml><?xml version="1.0" encoding="utf-8"?>
+<?mso-contentType ?>
+<FormTemplates xmlns="http://schemas.microsoft.com/sharepoint/v3/contenttype/forms">
+  <Display>DocumentLibraryForm</Display>
+  <Edit>DocumentLibraryForm</Edit>
+  <New>DocumentLibraryForm</New>
+</FormTemplates>
+</file>
+
+<file path=customXml/item3.xml><?xml version="1.0" encoding="utf-8"?>
 <ct:contentTypeSchema xmlns:ct="http://schemas.microsoft.com/office/2006/metadata/contentType" xmlns:ma="http://schemas.microsoft.com/office/2006/metadata/properties/metaAttributes" ct:_="" ma:_="" ma:contentTypeName="Document" ma:contentTypeID="0x01010079F111ED35F8CC479449609E8A0923A6" ma:contentTypeVersion="11" ma:contentTypeDescription="Create a new document." ma:contentTypeScope="" ma:versionID="9677210f24a1be23c92c90fd886aa0aa">
   <xsd:schema xmlns:xsd="http://www.w3.org/2001/XMLSchema" xmlns:xs="http://www.w3.org/2001/XMLSchema" xmlns:p="http://schemas.microsoft.com/office/2006/metadata/properties" xmlns:ns2="71af3243-3dd4-4a8d-8c0d-dd76da1f02a5" xmlns:ns3="16c05727-aa75-4e4a-9b5f-8a80a1165891" targetNamespace="http://schemas.microsoft.com/office/2006/metadata/properties" ma:root="true" ma:fieldsID="60e05723c5c1908df1a1a4ebf11d344e" ns2:_="" ns3:_="">
     <xsd:import namespace="71af3243-3dd4-4a8d-8c0d-dd76da1f02a5"/>
@@ -23242,15 +24189,6 @@
 </ct:contentTypeSchema>
 </file>
 
-<file path=customXml/item3.xml><?xml version="1.0" encoding="utf-8"?>
-<?mso-contentType ?>
-<FormTemplates xmlns="http://schemas.microsoft.com/sharepoint/v3/contenttype/forms">
-  <Display>DocumentLibraryForm</Display>
-  <Edit>DocumentLibraryForm</Edit>
-  <New>DocumentLibraryForm</New>
-</FormTemplates>
-</file>
-
 <file path=customXml/itemProps1.xml><?xml version="1.0" encoding="utf-8"?>
 <ds:datastoreItem xmlns:ds="http://schemas.openxmlformats.org/officeDocument/2006/customXml" ds:itemID="{788A2F88-55C5-4ED1-9541-807C65424763}">
   <ds:schemaRefs>
@@ -23262,6 +24200,14 @@
 </file>
 
 <file path=customXml/itemProps2.xml><?xml version="1.0" encoding="utf-8"?>
+<ds:datastoreItem xmlns:ds="http://schemas.openxmlformats.org/officeDocument/2006/customXml" ds:itemID="{4F44C90D-2A62-4985-9618-3460247437B1}">
+  <ds:schemaRefs>
+    <ds:schemaRef ds:uri="http://schemas.microsoft.com/sharepoint/v3/contenttype/forms"/>
+  </ds:schemaRefs>
+</ds:datastoreItem>
+</file>
+
+<file path=customXml/itemProps3.xml><?xml version="1.0" encoding="utf-8"?>
 <ds:datastoreItem xmlns:ds="http://schemas.openxmlformats.org/officeDocument/2006/customXml" ds:itemID="{B61EAB5F-88FC-4FAE-AE3C-037A3C365EB8}">
   <ds:schemaRefs>
     <ds:schemaRef ds:uri="http://schemas.microsoft.com/office/2006/metadata/contentType"/>
@@ -23278,12 +24224,4 @@
     <ds:schemaRef ds:uri="http://schemas.microsoft.com/internal/obd"/>
   </ds:schemaRefs>
 </ds:datastoreItem>
-</file>
-
-<file path=customXml/itemProps3.xml><?xml version="1.0" encoding="utf-8"?>
-<ds:datastoreItem xmlns:ds="http://schemas.openxmlformats.org/officeDocument/2006/customXml" ds:itemID="{4F44C90D-2A62-4985-9618-3460247437B1}">
-  <ds:schemaRefs>
-    <ds:schemaRef ds:uri="http://schemas.microsoft.com/sharepoint/v3/contenttype/forms"/>
-  </ds:schemaRefs>
-</ds:datastoreItem>
 </file>
--- a/Open Lab.pptx
+++ b/Open Lab.pptx
@@ -217,7 +217,7 @@
                 <a:latin typeface="맑은 고딕" panose="020B0503020000020004" pitchFamily="50" charset="-127"/>
                 <a:ea typeface="맑은 고딕" panose="020B0503020000020004" pitchFamily="50" charset="-127"/>
               </a:rPr>
-              <a:t>2023-06-13</a:t>
+              <a:t>2023-06-15</a:t>
             </a:fld>
             <a:endParaRPr lang="ko-KR" altLang="en-US" dirty="0">
               <a:latin typeface="맑은 고딕" panose="020B0503020000020004" pitchFamily="50" charset="-127"/>
@@ -404,7 +404,7 @@
             <a:fld id="{C6D4BD08-001C-4DA3-A8F2-B1A0C43B0DFD}" type="datetime1">
               <a:rPr lang="ko-KR" altLang="en-US" smtClean="0"/>
               <a:pPr/>
-              <a:t>2023-06-13</a:t>
+              <a:t>2023-06-15</a:t>
             </a:fld>
             <a:endParaRPr lang="ko-KR" altLang="en-US" dirty="0"/>
           </a:p>
@@ -9661,7 +9661,7 @@
             <a:fld id="{20DA4868-5905-4D40-A3C7-A08A77FB381F}" type="datetime1">
               <a:rPr lang="ko-KR" altLang="en-US" smtClean="0"/>
               <a:pPr/>
-              <a:t>2023-06-13</a:t>
+              <a:t>2023-06-15</a:t>
             </a:fld>
             <a:endParaRPr lang="ko-KR" altLang="en-US" dirty="0"/>
           </a:p>
@@ -9871,7 +9871,7 @@
             <a:fld id="{A7059D92-5434-44F0-8311-BFCB0FE3ABFC}" type="datetime1">
               <a:rPr lang="ko-KR" altLang="en-US" smtClean="0"/>
               <a:pPr/>
-              <a:t>2023-06-13</a:t>
+              <a:t>2023-06-15</a:t>
             </a:fld>
             <a:endParaRPr lang="ko-KR" altLang="en-US" dirty="0"/>
           </a:p>
@@ -10095,7 +10095,7 @@
             <a:fld id="{2FB232E3-E22B-46B2-B042-7B0B4F3513F2}" type="datetime1">
               <a:rPr lang="ko-KR" altLang="en-US" smtClean="0"/>
               <a:pPr/>
-              <a:t>2023-06-13</a:t>
+              <a:t>2023-06-15</a:t>
             </a:fld>
             <a:endParaRPr lang="ko-KR" altLang="en-US" dirty="0"/>
           </a:p>
@@ -10316,7 +10316,7 @@
             <a:fld id="{9EFA091B-FB79-4832-BBA6-485BF4956E11}" type="datetime1">
               <a:rPr lang="ko-KR" altLang="en-US" smtClean="0"/>
               <a:pPr/>
-              <a:t>2023-06-13</a:t>
+              <a:t>2023-06-15</a:t>
             </a:fld>
             <a:endParaRPr lang="ko-KR" altLang="en-US" dirty="0"/>
           </a:p>
@@ -19217,7 +19217,7 @@
             <a:fld id="{5F31BFAB-5A50-4862-991D-7095D6C5D4BE}" type="datetime1">
               <a:rPr lang="ko-KR" altLang="en-US" smtClean="0"/>
               <a:pPr/>
-              <a:t>2023-06-13</a:t>
+              <a:t>2023-06-15</a:t>
             </a:fld>
             <a:endParaRPr lang="ko-KR" altLang="en-US" dirty="0"/>
           </a:p>
@@ -19494,7 +19494,7 @@
             <a:fld id="{A3BD5271-FEFE-4914-869C-5327720A295E}" type="datetime1">
               <a:rPr lang="ko-KR" altLang="en-US" smtClean="0"/>
               <a:pPr/>
-              <a:t>2023-06-13</a:t>
+              <a:t>2023-06-15</a:t>
             </a:fld>
             <a:endParaRPr lang="ko-KR" altLang="en-US" dirty="0"/>
           </a:p>
@@ -19895,7 +19895,7 @@
             <a:fld id="{6961C815-1148-4AA6-9F9C-F8BBBFBB10CA}" type="datetime1">
               <a:rPr lang="ko-KR" altLang="en-US" smtClean="0"/>
               <a:pPr/>
-              <a:t>2023-06-13</a:t>
+              <a:t>2023-06-15</a:t>
             </a:fld>
             <a:endParaRPr lang="ko-KR" altLang="en-US" dirty="0"/>
           </a:p>
@@ -20016,7 +20016,7 @@
             <a:fld id="{A47AA9F1-F81C-4105-8A81-06D610EC4B63}" type="datetime1">
               <a:rPr lang="ko-KR" altLang="en-US" smtClean="0"/>
               <a:pPr/>
-              <a:t>2023-06-13</a:t>
+              <a:t>2023-06-15</a:t>
             </a:fld>
             <a:endParaRPr lang="ko-KR" altLang="en-US" dirty="0"/>
           </a:p>
@@ -20113,7 +20113,7 @@
             <a:fld id="{1F487A97-1A80-4798-B672-85D6AB250DCF}" type="datetime1">
               <a:rPr lang="ko-KR" altLang="en-US" smtClean="0"/>
               <a:pPr/>
-              <a:t>2023-06-13</a:t>
+              <a:t>2023-06-15</a:t>
             </a:fld>
             <a:endParaRPr lang="ko-KR" altLang="en-US" dirty="0"/>
           </a:p>
@@ -20406,7 +20406,7 @@
             <a:fld id="{EE653310-AD94-41CD-AC0F-1501C4EA6D6F}" type="datetime1">
               <a:rPr lang="ko-KR" altLang="en-US" smtClean="0"/>
               <a:pPr/>
-              <a:t>2023-06-13</a:t>
+              <a:t>2023-06-15</a:t>
             </a:fld>
             <a:endParaRPr lang="en-US" dirty="0"/>
           </a:p>
@@ -20690,7 +20690,7 @@
             <a:fld id="{A9C485AE-A5AE-4102-AAA7-CE7177004C64}" type="datetime1">
               <a:rPr lang="ko-KR" altLang="en-US" smtClean="0"/>
               <a:pPr/>
-              <a:t>2023-06-13</a:t>
+              <a:t>2023-06-15</a:t>
             </a:fld>
             <a:endParaRPr lang="ko-KR" altLang="en-US" dirty="0"/>
           </a:p>
@@ -20942,7 +20942,7 @@
             <a:fld id="{55E25835-15BF-46FE-B0BD-ED10F3056879}" type="datetime1">
               <a:rPr lang="ko-KR" altLang="en-US" smtClean="0"/>
               <a:pPr/>
-              <a:t>2023-06-13</a:t>
+              <a:t>2023-06-15</a:t>
             </a:fld>
             <a:endParaRPr lang="ko-KR" altLang="en-US" dirty="0"/>
           </a:p>
@@ -21541,7 +21541,7 @@
         </p:blipFill>
         <p:spPr>
           <a:xfrm>
-            <a:off x="20" y="975"/>
+            <a:off x="-3254" y="0"/>
             <a:ext cx="12191980" cy="6858000"/>
           </a:xfrm>
           <a:prstGeom prst="rect">
@@ -21634,7 +21634,7 @@
         <p:spPr>
           <a:xfrm>
             <a:off x="4309349" y="3429000"/>
-            <a:ext cx="7501651" cy="1090938"/>
+            <a:ext cx="7808510" cy="1090938"/>
           </a:xfrm>
         </p:spPr>
         <p:txBody>
@@ -21645,23 +21645,42 @@
           <a:p>
             <a:pPr algn="l"/>
             <a:r>
-              <a:rPr lang="ko-KR" altLang="en-US" dirty="0">
-                <a:solidFill>
-                  <a:srgbClr val="FFFFFF"/>
-                </a:solidFill>
-              </a:rPr>
-              <a:t>제목</a:t>
-            </a:r>
-            <a:r>
-              <a:rPr lang="en-US" altLang="ko-KR" dirty="0">
+              <a:rPr lang="ja-JP" altLang="en-US" sz="4000" dirty="0">
                 <a:solidFill>
                   <a:srgbClr val="FFFFFF"/>
                 </a:solidFill>
                 <a:latin typeface="맑은 고딕" panose="020B0503020000020004" pitchFamily="50" charset="-127"/>
                 <a:ea typeface="맑은 고딕" panose="020B0503020000020004" pitchFamily="50" charset="-127"/>
               </a:rPr>
-              <a:t> Lorem Ipsum</a:t>
+              <a:t>感情認識に基づく会話システムのための</a:t>
             </a:r>
+            <a:r>
+              <a:rPr lang="en-US" altLang="ja-JP" sz="4000" dirty="0">
+                <a:solidFill>
+                  <a:srgbClr val="FFFFFF"/>
+                </a:solidFill>
+                <a:latin typeface="맑은 고딕" panose="020B0503020000020004" pitchFamily="50" charset="-127"/>
+                <a:ea typeface="맑은 고딕" panose="020B0503020000020004" pitchFamily="50" charset="-127"/>
+              </a:rPr>
+              <a:t>VAD</a:t>
+            </a:r>
+            <a:r>
+              <a:rPr lang="ja-JP" altLang="en-US" sz="4000" dirty="0">
+                <a:solidFill>
+                  <a:srgbClr val="FFFFFF"/>
+                </a:solidFill>
+                <a:latin typeface="맑은 고딕" panose="020B0503020000020004" pitchFamily="50" charset="-127"/>
+                <a:ea typeface="맑은 고딕" panose="020B0503020000020004" pitchFamily="50" charset="-127"/>
+              </a:rPr>
+              <a:t>分類</a:t>
+            </a:r>
+            <a:endParaRPr lang="en-US" altLang="ko-KR" sz="4000" dirty="0">
+              <a:solidFill>
+                <a:srgbClr val="FFFFFF"/>
+              </a:solidFill>
+              <a:latin typeface="맑은 고딕" panose="020B0503020000020004" pitchFamily="50" charset="-127"/>
+              <a:ea typeface="맑은 고딕" panose="020B0503020000020004" pitchFamily="50" charset="-127"/>
+            </a:endParaRPr>
           </a:p>
         </p:txBody>
       </p:sp>
@@ -23962,20 +23981,20 @@
 </file>
 
 <file path=customXml/item1.xml><?xml version="1.0" encoding="utf-8"?>
-<p:properties xmlns:p="http://schemas.microsoft.com/office/2006/metadata/properties" xmlns:xsi="http://www.w3.org/2001/XMLSchema-instance" xmlns:pc="http://schemas.microsoft.com/office/infopath/2007/PartnerControls">
-  <documentManagement>
-    <MediaServiceKeyPoints xmlns="71af3243-3dd4-4a8d-8c0d-dd76da1f02a5" xsi:nil="true"/>
-  </documentManagement>
-</p:properties>
-</file>
-
-<file path=customXml/item2.xml><?xml version="1.0" encoding="utf-8"?>
 <?mso-contentType ?>
 <FormTemplates xmlns="http://schemas.microsoft.com/sharepoint/v3/contenttype/forms">
   <Display>DocumentLibraryForm</Display>
   <Edit>DocumentLibraryForm</Edit>
   <New>DocumentLibraryForm</New>
 </FormTemplates>
+</file>
+
+<file path=customXml/item2.xml><?xml version="1.0" encoding="utf-8"?>
+<p:properties xmlns:p="http://schemas.microsoft.com/office/2006/metadata/properties" xmlns:xsi="http://www.w3.org/2001/XMLSchema-instance" xmlns:pc="http://schemas.microsoft.com/office/infopath/2007/PartnerControls">
+  <documentManagement>
+    <MediaServiceKeyPoints xmlns="71af3243-3dd4-4a8d-8c0d-dd76da1f02a5" xsi:nil="true"/>
+  </documentManagement>
+</p:properties>
 </file>
 
 <file path=customXml/item3.xml><?xml version="1.0" encoding="utf-8"?>
@@ -24190,19 +24209,19 @@
 </file>
 
 <file path=customXml/itemProps1.xml><?xml version="1.0" encoding="utf-8"?>
+<ds:datastoreItem xmlns:ds="http://schemas.openxmlformats.org/officeDocument/2006/customXml" ds:itemID="{4F44C90D-2A62-4985-9618-3460247437B1}">
+  <ds:schemaRefs>
+    <ds:schemaRef ds:uri="http://schemas.microsoft.com/sharepoint/v3/contenttype/forms"/>
+  </ds:schemaRefs>
+</ds:datastoreItem>
+</file>
+
+<file path=customXml/itemProps2.xml><?xml version="1.0" encoding="utf-8"?>
 <ds:datastoreItem xmlns:ds="http://schemas.openxmlformats.org/officeDocument/2006/customXml" ds:itemID="{788A2F88-55C5-4ED1-9541-807C65424763}">
   <ds:schemaRefs>
     <ds:schemaRef ds:uri="http://schemas.microsoft.com/office/2006/metadata/properties"/>
     <ds:schemaRef ds:uri="http://schemas.microsoft.com/office/infopath/2007/PartnerControls"/>
     <ds:schemaRef ds:uri="71af3243-3dd4-4a8d-8c0d-dd76da1f02a5"/>
-  </ds:schemaRefs>
-</ds:datastoreItem>
-</file>
-
-<file path=customXml/itemProps2.xml><?xml version="1.0" encoding="utf-8"?>
-<ds:datastoreItem xmlns:ds="http://schemas.openxmlformats.org/officeDocument/2006/customXml" ds:itemID="{4F44C90D-2A62-4985-9618-3460247437B1}">
-  <ds:schemaRefs>
-    <ds:schemaRef ds:uri="http://schemas.microsoft.com/sharepoint/v3/contenttype/forms"/>
   </ds:schemaRefs>
 </ds:datastoreItem>
 </file>

--- a/Open Lab.pptx
+++ b/Open Lab.pptx
@@ -21721,7 +21721,17 @@
                 <a:latin typeface="맑은 고딕" panose="020B0503020000020004" pitchFamily="50" charset="-127"/>
                 <a:ea typeface="맑은 고딕" panose="020B0503020000020004" pitchFamily="50" charset="-127"/>
               </a:rPr>
-              <a:t>徐　恃源</a:t>
+              <a:t>徐　恃源  </a:t>
+            </a:r>
+            <a:r>
+              <a:rPr lang="en-US" altLang="ja-JP" dirty="0">
+                <a:solidFill>
+                  <a:srgbClr val="FFFFFF"/>
+                </a:solidFill>
+                <a:latin typeface="맑은 고딕" panose="020B0503020000020004" pitchFamily="50" charset="-127"/>
+                <a:ea typeface="맑은 고딕" panose="020B0503020000020004" pitchFamily="50" charset="-127"/>
+              </a:rPr>
+              <a:t>9LDI1101</a:t>
             </a:r>
             <a:endParaRPr lang="ko-KR" altLang="en-US" dirty="0">
               <a:solidFill>
@@ -22595,8 +22605,8 @@
         </p:blipFill>
         <p:spPr bwMode="auto">
           <a:xfrm>
-            <a:off x="7077075" y="2259960"/>
-            <a:ext cx="4543929" cy="3148676"/>
+            <a:off x="6652391" y="2056588"/>
+            <a:ext cx="5258736" cy="3643995"/>
           </a:xfrm>
           <a:prstGeom prst="rect">
             <a:avLst/>
@@ -22627,8 +22637,8 @@
         </p:nvSpPr>
         <p:spPr>
           <a:xfrm>
-            <a:off x="7013274" y="5411249"/>
-            <a:ext cx="4873925" cy="400110"/>
+            <a:off x="6680211" y="5700583"/>
+            <a:ext cx="5230915" cy="400110"/>
           </a:xfrm>
           <a:prstGeom prst="rect">
             <a:avLst/>
@@ -22754,7 +22764,7 @@
         </p:blipFill>
         <p:spPr bwMode="auto">
           <a:xfrm>
-            <a:off x="826033" y="2958450"/>
+            <a:off x="595371" y="2958450"/>
             <a:ext cx="5629275" cy="2133600"/>
           </a:xfrm>
           <a:prstGeom prst="rect">
@@ -22786,7 +22796,7 @@
         </p:nvSpPr>
         <p:spPr>
           <a:xfrm>
-            <a:off x="570996" y="5162415"/>
+            <a:off x="340334" y="5162415"/>
             <a:ext cx="6339877" cy="246221"/>
           </a:xfrm>
           <a:prstGeom prst="rect">
@@ -22856,7 +22866,12 @@
             <p:ph type="title"/>
           </p:nvPr>
         </p:nvSpPr>
-        <p:spPr/>
+        <p:spPr>
+          <a:xfrm>
+            <a:off x="1024128" y="585216"/>
+            <a:ext cx="10863072" cy="1499616"/>
+          </a:xfrm>
+        </p:spPr>
         <p:txBody>
           <a:bodyPr/>
           <a:lstStyle/>
@@ -22868,6 +22883,18 @@
             <a:r>
               <a:rPr lang="ja-JP" altLang="en-US" dirty="0"/>
               <a:t>次元の間の相関関係</a:t>
+            </a:r>
+            <a:r>
+              <a:rPr lang="en-US" altLang="ja-JP" dirty="0"/>
+              <a:t>(</a:t>
+            </a:r>
+            <a:r>
+              <a:rPr lang="en-US" altLang="ja-JP" dirty="0" err="1"/>
+              <a:t>XGBoost</a:t>
+            </a:r>
+            <a:r>
+              <a:rPr lang="en-US" altLang="ja-JP" dirty="0"/>
+              <a:t>)</a:t>
             </a:r>
             <a:endParaRPr lang="ko-KR" altLang="en-US" dirty="0"/>
           </a:p>
@@ -23981,20 +24008,20 @@
 </file>
 
 <file path=customXml/item1.xml><?xml version="1.0" encoding="utf-8"?>
+<p:properties xmlns:p="http://schemas.microsoft.com/office/2006/metadata/properties" xmlns:xsi="http://www.w3.org/2001/XMLSchema-instance" xmlns:pc="http://schemas.microsoft.com/office/infopath/2007/PartnerControls">
+  <documentManagement>
+    <MediaServiceKeyPoints xmlns="71af3243-3dd4-4a8d-8c0d-dd76da1f02a5" xsi:nil="true"/>
+  </documentManagement>
+</p:properties>
+</file>
+
+<file path=customXml/item2.xml><?xml version="1.0" encoding="utf-8"?>
 <?mso-contentType ?>
 <FormTemplates xmlns="http://schemas.microsoft.com/sharepoint/v3/contenttype/forms">
   <Display>DocumentLibraryForm</Display>
   <Edit>DocumentLibraryForm</Edit>
   <New>DocumentLibraryForm</New>
 </FormTemplates>
-</file>
-
-<file path=customXml/item2.xml><?xml version="1.0" encoding="utf-8"?>
-<p:properties xmlns:p="http://schemas.microsoft.com/office/2006/metadata/properties" xmlns:xsi="http://www.w3.org/2001/XMLSchema-instance" xmlns:pc="http://schemas.microsoft.com/office/infopath/2007/PartnerControls">
-  <documentManagement>
-    <MediaServiceKeyPoints xmlns="71af3243-3dd4-4a8d-8c0d-dd76da1f02a5" xsi:nil="true"/>
-  </documentManagement>
-</p:properties>
 </file>
 
 <file path=customXml/item3.xml><?xml version="1.0" encoding="utf-8"?>
@@ -24209,19 +24236,19 @@
 </file>
 
 <file path=customXml/itemProps1.xml><?xml version="1.0" encoding="utf-8"?>
-<ds:datastoreItem xmlns:ds="http://schemas.openxmlformats.org/officeDocument/2006/customXml" ds:itemID="{4F44C90D-2A62-4985-9618-3460247437B1}">
+<ds:datastoreItem xmlns:ds="http://schemas.openxmlformats.org/officeDocument/2006/customXml" ds:itemID="{788A2F88-55C5-4ED1-9541-807C65424763}">
   <ds:schemaRefs>
-    <ds:schemaRef ds:uri="http://schemas.microsoft.com/sharepoint/v3/contenttype/forms"/>
+    <ds:schemaRef ds:uri="http://schemas.microsoft.com/office/2006/metadata/properties"/>
+    <ds:schemaRef ds:uri="http://schemas.microsoft.com/office/infopath/2007/PartnerControls"/>
+    <ds:schemaRef ds:uri="71af3243-3dd4-4a8d-8c0d-dd76da1f02a5"/>
   </ds:schemaRefs>
 </ds:datastoreItem>
 </file>
 
 <file path=customXml/itemProps2.xml><?xml version="1.0" encoding="utf-8"?>
-<ds:datastoreItem xmlns:ds="http://schemas.openxmlformats.org/officeDocument/2006/customXml" ds:itemID="{788A2F88-55C5-4ED1-9541-807C65424763}">
+<ds:datastoreItem xmlns:ds="http://schemas.openxmlformats.org/officeDocument/2006/customXml" ds:itemID="{4F44C90D-2A62-4985-9618-3460247437B1}">
   <ds:schemaRefs>
-    <ds:schemaRef ds:uri="http://schemas.microsoft.com/office/2006/metadata/properties"/>
-    <ds:schemaRef ds:uri="http://schemas.microsoft.com/office/infopath/2007/PartnerControls"/>
-    <ds:schemaRef ds:uri="71af3243-3dd4-4a8d-8c0d-dd76da1f02a5"/>
+    <ds:schemaRef ds:uri="http://schemas.microsoft.com/sharepoint/v3/contenttype/forms"/>
   </ds:schemaRefs>
 </ds:datastoreItem>
 </file>

--- a/Open Lab.pptx
+++ b/Open Lab.pptx
@@ -217,7 +217,7 @@
                 <a:latin typeface="맑은 고딕" panose="020B0503020000020004" pitchFamily="50" charset="-127"/>
                 <a:ea typeface="맑은 고딕" panose="020B0503020000020004" pitchFamily="50" charset="-127"/>
               </a:rPr>
-              <a:t>2023-06-15</a:t>
+              <a:t>2023-06-19</a:t>
             </a:fld>
             <a:endParaRPr lang="ko-KR" altLang="en-US" dirty="0">
               <a:latin typeface="맑은 고딕" panose="020B0503020000020004" pitchFamily="50" charset="-127"/>
@@ -404,7 +404,7 @@
             <a:fld id="{C6D4BD08-001C-4DA3-A8F2-B1A0C43B0DFD}" type="datetime1">
               <a:rPr lang="ko-KR" altLang="en-US" smtClean="0"/>
               <a:pPr/>
-              <a:t>2023-06-15</a:t>
+              <a:t>2023-06-19</a:t>
             </a:fld>
             <a:endParaRPr lang="ko-KR" altLang="en-US" dirty="0"/>
           </a:p>
@@ -9661,7 +9661,7 @@
             <a:fld id="{20DA4868-5905-4D40-A3C7-A08A77FB381F}" type="datetime1">
               <a:rPr lang="ko-KR" altLang="en-US" smtClean="0"/>
               <a:pPr/>
-              <a:t>2023-06-15</a:t>
+              <a:t>2023-06-19</a:t>
             </a:fld>
             <a:endParaRPr lang="ko-KR" altLang="en-US" dirty="0"/>
           </a:p>
@@ -9871,7 +9871,7 @@
             <a:fld id="{A7059D92-5434-44F0-8311-BFCB0FE3ABFC}" type="datetime1">
               <a:rPr lang="ko-KR" altLang="en-US" smtClean="0"/>
               <a:pPr/>
-              <a:t>2023-06-15</a:t>
+              <a:t>2023-06-19</a:t>
             </a:fld>
             <a:endParaRPr lang="ko-KR" altLang="en-US" dirty="0"/>
           </a:p>
@@ -10095,7 +10095,7 @@
             <a:fld id="{2FB232E3-E22B-46B2-B042-7B0B4F3513F2}" type="datetime1">
               <a:rPr lang="ko-KR" altLang="en-US" smtClean="0"/>
               <a:pPr/>
-              <a:t>2023-06-15</a:t>
+              <a:t>2023-06-19</a:t>
             </a:fld>
             <a:endParaRPr lang="ko-KR" altLang="en-US" dirty="0"/>
           </a:p>
@@ -10316,7 +10316,7 @@
             <a:fld id="{9EFA091B-FB79-4832-BBA6-485BF4956E11}" type="datetime1">
               <a:rPr lang="ko-KR" altLang="en-US" smtClean="0"/>
               <a:pPr/>
-              <a:t>2023-06-15</a:t>
+              <a:t>2023-06-19</a:t>
             </a:fld>
             <a:endParaRPr lang="ko-KR" altLang="en-US" dirty="0"/>
           </a:p>
@@ -19217,7 +19217,7 @@
             <a:fld id="{5F31BFAB-5A50-4862-991D-7095D6C5D4BE}" type="datetime1">
               <a:rPr lang="ko-KR" altLang="en-US" smtClean="0"/>
               <a:pPr/>
-              <a:t>2023-06-15</a:t>
+              <a:t>2023-06-19</a:t>
             </a:fld>
             <a:endParaRPr lang="ko-KR" altLang="en-US" dirty="0"/>
           </a:p>
@@ -19494,7 +19494,7 @@
             <a:fld id="{A3BD5271-FEFE-4914-869C-5327720A295E}" type="datetime1">
               <a:rPr lang="ko-KR" altLang="en-US" smtClean="0"/>
               <a:pPr/>
-              <a:t>2023-06-15</a:t>
+              <a:t>2023-06-19</a:t>
             </a:fld>
             <a:endParaRPr lang="ko-KR" altLang="en-US" dirty="0"/>
           </a:p>
@@ -19895,7 +19895,7 @@
             <a:fld id="{6961C815-1148-4AA6-9F9C-F8BBBFBB10CA}" type="datetime1">
               <a:rPr lang="ko-KR" altLang="en-US" smtClean="0"/>
               <a:pPr/>
-              <a:t>2023-06-15</a:t>
+              <a:t>2023-06-19</a:t>
             </a:fld>
             <a:endParaRPr lang="ko-KR" altLang="en-US" dirty="0"/>
           </a:p>
@@ -20016,7 +20016,7 @@
             <a:fld id="{A47AA9F1-F81C-4105-8A81-06D610EC4B63}" type="datetime1">
               <a:rPr lang="ko-KR" altLang="en-US" smtClean="0"/>
               <a:pPr/>
-              <a:t>2023-06-15</a:t>
+              <a:t>2023-06-19</a:t>
             </a:fld>
             <a:endParaRPr lang="ko-KR" altLang="en-US" dirty="0"/>
           </a:p>
@@ -20113,7 +20113,7 @@
             <a:fld id="{1F487A97-1A80-4798-B672-85D6AB250DCF}" type="datetime1">
               <a:rPr lang="ko-KR" altLang="en-US" smtClean="0"/>
               <a:pPr/>
-              <a:t>2023-06-15</a:t>
+              <a:t>2023-06-19</a:t>
             </a:fld>
             <a:endParaRPr lang="ko-KR" altLang="en-US" dirty="0"/>
           </a:p>
@@ -20406,7 +20406,7 @@
             <a:fld id="{EE653310-AD94-41CD-AC0F-1501C4EA6D6F}" type="datetime1">
               <a:rPr lang="ko-KR" altLang="en-US" smtClean="0"/>
               <a:pPr/>
-              <a:t>2023-06-15</a:t>
+              <a:t>2023-06-19</a:t>
             </a:fld>
             <a:endParaRPr lang="en-US" dirty="0"/>
           </a:p>
@@ -20690,7 +20690,7 @@
             <a:fld id="{A9C485AE-A5AE-4102-AAA7-CE7177004C64}" type="datetime1">
               <a:rPr lang="ko-KR" altLang="en-US" smtClean="0"/>
               <a:pPr/>
-              <a:t>2023-06-15</a:t>
+              <a:t>2023-06-19</a:t>
             </a:fld>
             <a:endParaRPr lang="ko-KR" altLang="en-US" dirty="0"/>
           </a:p>
@@ -20942,7 +20942,7 @@
             <a:fld id="{55E25835-15BF-46FE-B0BD-ED10F3056879}" type="datetime1">
               <a:rPr lang="ko-KR" altLang="en-US" smtClean="0"/>
               <a:pPr/>
-              <a:t>2023-06-15</a:t>
+              <a:t>2023-06-19</a:t>
             </a:fld>
             <a:endParaRPr lang="ko-KR" altLang="en-US" dirty="0"/>
           </a:p>
@@ -23097,7 +23097,14 @@
             </a:r>
             <a:r>
               <a:rPr lang="ja-JP" altLang="en-US" sz="3200" dirty="0"/>
-              <a:t>に興味を持たせてくれた方！是非、</a:t>
+              <a:t>に興味をのある方！</a:t>
+            </a:r>
+            <a:br>
+              <a:rPr lang="en-US" altLang="ja-JP" sz="3200" dirty="0"/>
+            </a:br>
+            <a:r>
+              <a:rPr lang="ja-JP" altLang="en-US" sz="3200" dirty="0"/>
+              <a:t>是非、</a:t>
             </a:r>
             <a:r>
               <a:rPr lang="en-US" altLang="ja-JP" sz="3200" dirty="0"/>
@@ -24008,20 +24015,20 @@
 </file>
 
 <file path=customXml/item1.xml><?xml version="1.0" encoding="utf-8"?>
-<p:properties xmlns:p="http://schemas.microsoft.com/office/2006/metadata/properties" xmlns:xsi="http://www.w3.org/2001/XMLSchema-instance" xmlns:pc="http://schemas.microsoft.com/office/infopath/2007/PartnerControls">
-  <documentManagement>
-    <MediaServiceKeyPoints xmlns="71af3243-3dd4-4a8d-8c0d-dd76da1f02a5" xsi:nil="true"/>
-  </documentManagement>
-</p:properties>
-</file>
-
-<file path=customXml/item2.xml><?xml version="1.0" encoding="utf-8"?>
 <?mso-contentType ?>
 <FormTemplates xmlns="http://schemas.microsoft.com/sharepoint/v3/contenttype/forms">
   <Display>DocumentLibraryForm</Display>
   <Edit>DocumentLibraryForm</Edit>
   <New>DocumentLibraryForm</New>
 </FormTemplates>
+</file>
+
+<file path=customXml/item2.xml><?xml version="1.0" encoding="utf-8"?>
+<p:properties xmlns:p="http://schemas.microsoft.com/office/2006/metadata/properties" xmlns:xsi="http://www.w3.org/2001/XMLSchema-instance" xmlns:pc="http://schemas.microsoft.com/office/infopath/2007/PartnerControls">
+  <documentManagement>
+    <MediaServiceKeyPoints xmlns="71af3243-3dd4-4a8d-8c0d-dd76da1f02a5" xsi:nil="true"/>
+  </documentManagement>
+</p:properties>
 </file>
 
 <file path=customXml/item3.xml><?xml version="1.0" encoding="utf-8"?>
@@ -24236,19 +24243,19 @@
 </file>
 
 <file path=customXml/itemProps1.xml><?xml version="1.0" encoding="utf-8"?>
+<ds:datastoreItem xmlns:ds="http://schemas.openxmlformats.org/officeDocument/2006/customXml" ds:itemID="{4F44C90D-2A62-4985-9618-3460247437B1}">
+  <ds:schemaRefs>
+    <ds:schemaRef ds:uri="http://schemas.microsoft.com/sharepoint/v3/contenttype/forms"/>
+  </ds:schemaRefs>
+</ds:datastoreItem>
+</file>
+
+<file path=customXml/itemProps2.xml><?xml version="1.0" encoding="utf-8"?>
 <ds:datastoreItem xmlns:ds="http://schemas.openxmlformats.org/officeDocument/2006/customXml" ds:itemID="{788A2F88-55C5-4ED1-9541-807C65424763}">
   <ds:schemaRefs>
     <ds:schemaRef ds:uri="http://schemas.microsoft.com/office/2006/metadata/properties"/>
     <ds:schemaRef ds:uri="http://schemas.microsoft.com/office/infopath/2007/PartnerControls"/>
     <ds:schemaRef ds:uri="71af3243-3dd4-4a8d-8c0d-dd76da1f02a5"/>
-  </ds:schemaRefs>
-</ds:datastoreItem>
-</file>
-
-<file path=customXml/itemProps2.xml><?xml version="1.0" encoding="utf-8"?>
-<ds:datastoreItem xmlns:ds="http://schemas.openxmlformats.org/officeDocument/2006/customXml" ds:itemID="{4F44C90D-2A62-4985-9618-3460247437B1}">
-  <ds:schemaRefs>
-    <ds:schemaRef ds:uri="http://schemas.microsoft.com/sharepoint/v3/contenttype/forms"/>
   </ds:schemaRefs>
 </ds:datastoreItem>
 </file>

--- a/Open Lab.pptx
+++ b/Open Lab.pptx
@@ -15,8 +15,8 @@
     <p:sldId id="277" r:id="rId6"/>
     <p:sldId id="278" r:id="rId7"/>
     <p:sldId id="279" r:id="rId8"/>
-    <p:sldId id="280" r:id="rId9"/>
-    <p:sldId id="282" r:id="rId10"/>
+    <p:sldId id="282" r:id="rId9"/>
+    <p:sldId id="280" r:id="rId10"/>
     <p:sldId id="281" r:id="rId11"/>
   </p:sldIdLst>
   <p:sldSz cx="12192000" cy="6858000"/>
@@ -217,7 +217,7 @@
                 <a:latin typeface="맑은 고딕" panose="020B0503020000020004" pitchFamily="50" charset="-127"/>
                 <a:ea typeface="맑은 고딕" panose="020B0503020000020004" pitchFamily="50" charset="-127"/>
               </a:rPr>
-              <a:t>2023-06-19</a:t>
+              <a:t>2023-07-13</a:t>
             </a:fld>
             <a:endParaRPr lang="ko-KR" altLang="en-US" dirty="0">
               <a:latin typeface="맑은 고딕" panose="020B0503020000020004" pitchFamily="50" charset="-127"/>
@@ -404,7 +404,7 @@
             <a:fld id="{C6D4BD08-001C-4DA3-A8F2-B1A0C43B0DFD}" type="datetime1">
               <a:rPr lang="ko-KR" altLang="en-US" smtClean="0"/>
               <a:pPr/>
-              <a:t>2023-06-19</a:t>
+              <a:t>2023-07-13</a:t>
             </a:fld>
             <a:endParaRPr lang="ko-KR" altLang="en-US" dirty="0"/>
           </a:p>
@@ -9661,7 +9661,7 @@
             <a:fld id="{20DA4868-5905-4D40-A3C7-A08A77FB381F}" type="datetime1">
               <a:rPr lang="ko-KR" altLang="en-US" smtClean="0"/>
               <a:pPr/>
-              <a:t>2023-06-19</a:t>
+              <a:t>2023-07-13</a:t>
             </a:fld>
             <a:endParaRPr lang="ko-KR" altLang="en-US" dirty="0"/>
           </a:p>
@@ -9871,7 +9871,7 @@
             <a:fld id="{A7059D92-5434-44F0-8311-BFCB0FE3ABFC}" type="datetime1">
               <a:rPr lang="ko-KR" altLang="en-US" smtClean="0"/>
               <a:pPr/>
-              <a:t>2023-06-19</a:t>
+              <a:t>2023-07-13</a:t>
             </a:fld>
             <a:endParaRPr lang="ko-KR" altLang="en-US" dirty="0"/>
           </a:p>
@@ -10095,7 +10095,7 @@
             <a:fld id="{2FB232E3-E22B-46B2-B042-7B0B4F3513F2}" type="datetime1">
               <a:rPr lang="ko-KR" altLang="en-US" smtClean="0"/>
               <a:pPr/>
-              <a:t>2023-06-19</a:t>
+              <a:t>2023-07-13</a:t>
             </a:fld>
             <a:endParaRPr lang="ko-KR" altLang="en-US" dirty="0"/>
           </a:p>
@@ -10316,7 +10316,7 @@
             <a:fld id="{9EFA091B-FB79-4832-BBA6-485BF4956E11}" type="datetime1">
               <a:rPr lang="ko-KR" altLang="en-US" smtClean="0"/>
               <a:pPr/>
-              <a:t>2023-06-19</a:t>
+              <a:t>2023-07-13</a:t>
             </a:fld>
             <a:endParaRPr lang="ko-KR" altLang="en-US" dirty="0"/>
           </a:p>
@@ -19217,7 +19217,7 @@
             <a:fld id="{5F31BFAB-5A50-4862-991D-7095D6C5D4BE}" type="datetime1">
               <a:rPr lang="ko-KR" altLang="en-US" smtClean="0"/>
               <a:pPr/>
-              <a:t>2023-06-19</a:t>
+              <a:t>2023-07-13</a:t>
             </a:fld>
             <a:endParaRPr lang="ko-KR" altLang="en-US" dirty="0"/>
           </a:p>
@@ -19494,7 +19494,7 @@
             <a:fld id="{A3BD5271-FEFE-4914-869C-5327720A295E}" type="datetime1">
               <a:rPr lang="ko-KR" altLang="en-US" smtClean="0"/>
               <a:pPr/>
-              <a:t>2023-06-19</a:t>
+              <a:t>2023-07-13</a:t>
             </a:fld>
             <a:endParaRPr lang="ko-KR" altLang="en-US" dirty="0"/>
           </a:p>
@@ -19895,7 +19895,7 @@
             <a:fld id="{6961C815-1148-4AA6-9F9C-F8BBBFBB10CA}" type="datetime1">
               <a:rPr lang="ko-KR" altLang="en-US" smtClean="0"/>
               <a:pPr/>
-              <a:t>2023-06-19</a:t>
+              <a:t>2023-07-13</a:t>
             </a:fld>
             <a:endParaRPr lang="ko-KR" altLang="en-US" dirty="0"/>
           </a:p>
@@ -20016,7 +20016,7 @@
             <a:fld id="{A47AA9F1-F81C-4105-8A81-06D610EC4B63}" type="datetime1">
               <a:rPr lang="ko-KR" altLang="en-US" smtClean="0"/>
               <a:pPr/>
-              <a:t>2023-06-19</a:t>
+              <a:t>2023-07-13</a:t>
             </a:fld>
             <a:endParaRPr lang="ko-KR" altLang="en-US" dirty="0"/>
           </a:p>
@@ -20113,7 +20113,7 @@
             <a:fld id="{1F487A97-1A80-4798-B672-85D6AB250DCF}" type="datetime1">
               <a:rPr lang="ko-KR" altLang="en-US" smtClean="0"/>
               <a:pPr/>
-              <a:t>2023-06-19</a:t>
+              <a:t>2023-07-13</a:t>
             </a:fld>
             <a:endParaRPr lang="ko-KR" altLang="en-US" dirty="0"/>
           </a:p>
@@ -20406,7 +20406,7 @@
             <a:fld id="{EE653310-AD94-41CD-AC0F-1501C4EA6D6F}" type="datetime1">
               <a:rPr lang="ko-KR" altLang="en-US" smtClean="0"/>
               <a:pPr/>
-              <a:t>2023-06-19</a:t>
+              <a:t>2023-07-13</a:t>
             </a:fld>
             <a:endParaRPr lang="en-US" dirty="0"/>
           </a:p>
@@ -20690,7 +20690,7 @@
             <a:fld id="{A9C485AE-A5AE-4102-AAA7-CE7177004C64}" type="datetime1">
               <a:rPr lang="ko-KR" altLang="en-US" smtClean="0"/>
               <a:pPr/>
-              <a:t>2023-06-19</a:t>
+              <a:t>2023-07-13</a:t>
             </a:fld>
             <a:endParaRPr lang="ko-KR" altLang="en-US" dirty="0"/>
           </a:p>
@@ -20942,7 +20942,7 @@
             <a:fld id="{55E25835-15BF-46FE-B0BD-ED10F3056879}" type="datetime1">
               <a:rPr lang="ko-KR" altLang="en-US" smtClean="0"/>
               <a:pPr/>
-              <a:t>2023-06-19</a:t>
+              <a:t>2023-07-13</a:t>
             </a:fld>
             <a:endParaRPr lang="ko-KR" altLang="en-US" dirty="0"/>
           </a:p>
@@ -22552,6 +22552,181 @@
           <p:cNvPr id="2" name="제목 1">
             <a:extLst>
               <a:ext uri="{FF2B5EF4-FFF2-40B4-BE49-F238E27FC236}">
+                <a16:creationId xmlns:a16="http://schemas.microsoft.com/office/drawing/2014/main" id="{3E26C067-D13D-9761-55D8-F22075EC488B}"/>
+              </a:ext>
+            </a:extLst>
+          </p:cNvPr>
+          <p:cNvSpPr>
+            <a:spLocks noGrp="1"/>
+          </p:cNvSpPr>
+          <p:nvPr>
+            <p:ph type="title"/>
+          </p:nvPr>
+        </p:nvSpPr>
+        <p:spPr>
+          <a:xfrm>
+            <a:off x="1024128" y="585216"/>
+            <a:ext cx="10863072" cy="1499616"/>
+          </a:xfrm>
+        </p:spPr>
+        <p:txBody>
+          <a:bodyPr/>
+          <a:lstStyle/>
+          <a:p>
+            <a:r>
+              <a:rPr lang="en-US" altLang="ko-KR" dirty="0"/>
+              <a:t>VAD</a:t>
+            </a:r>
+            <a:r>
+              <a:rPr lang="ja-JP" altLang="en-US" dirty="0"/>
+              <a:t>次元の間の相関関係</a:t>
+            </a:r>
+            <a:r>
+              <a:rPr lang="en-US" altLang="ja-JP" dirty="0"/>
+              <a:t>(</a:t>
+            </a:r>
+            <a:r>
+              <a:rPr lang="en-US" altLang="ja-JP" dirty="0" err="1"/>
+              <a:t>XGBoost</a:t>
+            </a:r>
+            <a:r>
+              <a:rPr lang="en-US" altLang="ja-JP" dirty="0"/>
+              <a:t>)</a:t>
+            </a:r>
+            <a:endParaRPr lang="ko-KR" altLang="en-US" dirty="0"/>
+          </a:p>
+        </p:txBody>
+      </p:sp>
+      <p:pic>
+        <p:nvPicPr>
+          <p:cNvPr id="4" name="그림 3" descr="텍스트, 스크린샷, 도표, 디자인이(가) 표시된 사진&#10;&#10;자동 생성된 설명">
+            <a:extLst>
+              <a:ext uri="{FF2B5EF4-FFF2-40B4-BE49-F238E27FC236}">
+                <a16:creationId xmlns:a16="http://schemas.microsoft.com/office/drawing/2014/main" id="{FC8E9699-56F7-2FA4-6036-A30D21AB44A8}"/>
+              </a:ext>
+            </a:extLst>
+          </p:cNvPr>
+          <p:cNvPicPr>
+            <a:picLocks noChangeAspect="1"/>
+          </p:cNvPicPr>
+          <p:nvPr/>
+        </p:nvPicPr>
+        <p:blipFill>
+          <a:blip r:embed="rId2"/>
+          <a:stretch>
+            <a:fillRect/>
+          </a:stretch>
+        </p:blipFill>
+        <p:spPr>
+          <a:xfrm>
+            <a:off x="2058955" y="2084832"/>
+            <a:ext cx="8074090" cy="3906818"/>
+          </a:xfrm>
+          <a:prstGeom prst="rect">
+            <a:avLst/>
+          </a:prstGeom>
+        </p:spPr>
+      </p:pic>
+      <p:sp>
+        <p:nvSpPr>
+          <p:cNvPr id="5" name="TextBox 4">
+            <a:extLst>
+              <a:ext uri="{FF2B5EF4-FFF2-40B4-BE49-F238E27FC236}">
+                <a16:creationId xmlns:a16="http://schemas.microsoft.com/office/drawing/2014/main" id="{A7AD469E-0232-D2E3-FF1A-A4E2AC5B7215}"/>
+              </a:ext>
+            </a:extLst>
+          </p:cNvPr>
+          <p:cNvSpPr txBox="1"/>
+          <p:nvPr/>
+        </p:nvSpPr>
+        <p:spPr>
+          <a:xfrm>
+            <a:off x="2506824" y="5960448"/>
+            <a:ext cx="7178351" cy="246221"/>
+          </a:xfrm>
+          <a:prstGeom prst="rect">
+            <a:avLst/>
+          </a:prstGeom>
+          <a:noFill/>
+        </p:spPr>
+        <p:txBody>
+          <a:bodyPr wrap="square" rtlCol="0">
+            <a:spAutoFit/>
+          </a:bodyPr>
+          <a:lstStyle/>
+          <a:p>
+            <a:pPr algn="ctr"/>
+            <a:r>
+              <a:rPr lang="en-US" altLang="ko-KR" sz="1000" dirty="0">
+                <a:latin typeface="Abadi" panose="020B0604020104020204" pitchFamily="34" charset="0"/>
+              </a:rPr>
+              <a:t>"</a:t>
+            </a:r>
+            <a:r>
+              <a:rPr lang="en-US" altLang="ko-KR" sz="1000" dirty="0" err="1">
+                <a:latin typeface="Abadi" panose="020B0604020104020204" pitchFamily="34" charset="0"/>
+              </a:rPr>
+              <a:t>Intoroduction</a:t>
+            </a:r>
+            <a:r>
+              <a:rPr lang="en-US" altLang="ko-KR" sz="1000" dirty="0">
+                <a:latin typeface="Abadi" panose="020B0604020104020204" pitchFamily="34" charset="0"/>
+              </a:rPr>
+              <a:t> to </a:t>
+            </a:r>
+            <a:r>
+              <a:rPr lang="en-US" altLang="ko-KR" sz="1000" dirty="0" err="1">
+                <a:latin typeface="Abadi" panose="020B0604020104020204" pitchFamily="34" charset="0"/>
+              </a:rPr>
+              <a:t>XGBoost</a:t>
+            </a:r>
+            <a:r>
+              <a:rPr lang="en-US" altLang="ko-KR" sz="1000" dirty="0">
+                <a:latin typeface="Abadi" panose="020B0604020104020204" pitchFamily="34" charset="0"/>
+              </a:rPr>
+              <a:t> in Python", (Ishan Shah, 2020)</a:t>
+            </a:r>
+            <a:endParaRPr lang="ko-KR" altLang="en-US" sz="1000" dirty="0">
+              <a:latin typeface="Abadi" panose="020B0604020104020204" pitchFamily="34" charset="0"/>
+            </a:endParaRPr>
+          </a:p>
+        </p:txBody>
+      </p:sp>
+    </p:spTree>
+    <p:extLst>
+      <p:ext uri="{BB962C8B-B14F-4D97-AF65-F5344CB8AC3E}">
+        <p14:creationId xmlns:p14="http://schemas.microsoft.com/office/powerpoint/2010/main" val="2020634550"/>
+      </p:ext>
+    </p:extLst>
+  </p:cSld>
+  <p:clrMapOvr>
+    <a:masterClrMapping/>
+  </p:clrMapOvr>
+</p:sld>
+</file>
+
+<file path=ppt/slides/slide6.xml><?xml version="1.0" encoding="utf-8"?>
+<p:sld xmlns:a="http://schemas.openxmlformats.org/drawingml/2006/main" xmlns:r="http://schemas.openxmlformats.org/officeDocument/2006/relationships" xmlns:p="http://schemas.openxmlformats.org/presentationml/2006/main">
+  <p:cSld>
+    <p:spTree>
+      <p:nvGrpSpPr>
+        <p:cNvPr id="1" name=""/>
+        <p:cNvGrpSpPr/>
+        <p:nvPr/>
+      </p:nvGrpSpPr>
+      <p:grpSpPr>
+        <a:xfrm>
+          <a:off x="0" y="0"/>
+          <a:ext cx="0" cy="0"/>
+          <a:chOff x="0" y="0"/>
+          <a:chExt cx="0" cy="0"/>
+        </a:xfrm>
+      </p:grpSpPr>
+      <p:sp>
+        <p:nvSpPr>
+          <p:cNvPr id="2" name="제목 1">
+            <a:extLst>
+              <a:ext uri="{FF2B5EF4-FFF2-40B4-BE49-F238E27FC236}">
                 <a16:creationId xmlns:a16="http://schemas.microsoft.com/office/drawing/2014/main" id="{6D193466-EF04-089C-982F-E160DED7F997}"/>
               </a:ext>
             </a:extLst>
@@ -22815,7 +22990,7 @@
               <a:rPr kumimoji="1" lang="en-US" altLang="ja-JP" sz="1000" dirty="0">
                 <a:latin typeface="Abadi" panose="020B0604020104020204" pitchFamily="34" charset="0"/>
               </a:rPr>
-              <a:t>Vaswani, Ashish, et al. "Attention is all you need." Advances in neural information processing systems 30 (2017).</a:t>
+              <a:t>"Attention is all you need." Advances in neural information processing systems 30 (Vaswani Ashish et al., 2017).</a:t>
             </a:r>
           </a:p>
         </p:txBody>
@@ -22824,181 +22999,6 @@
     <p:extLst>
       <p:ext uri="{BB962C8B-B14F-4D97-AF65-F5344CB8AC3E}">
         <p14:creationId xmlns:p14="http://schemas.microsoft.com/office/powerpoint/2010/main" val="3215062938"/>
-      </p:ext>
-    </p:extLst>
-  </p:cSld>
-  <p:clrMapOvr>
-    <a:masterClrMapping/>
-  </p:clrMapOvr>
-</p:sld>
-</file>
-
-<file path=ppt/slides/slide6.xml><?xml version="1.0" encoding="utf-8"?>
-<p:sld xmlns:a="http://schemas.openxmlformats.org/drawingml/2006/main" xmlns:r="http://schemas.openxmlformats.org/officeDocument/2006/relationships" xmlns:p="http://schemas.openxmlformats.org/presentationml/2006/main">
-  <p:cSld>
-    <p:spTree>
-      <p:nvGrpSpPr>
-        <p:cNvPr id="1" name=""/>
-        <p:cNvGrpSpPr/>
-        <p:nvPr/>
-      </p:nvGrpSpPr>
-      <p:grpSpPr>
-        <a:xfrm>
-          <a:off x="0" y="0"/>
-          <a:ext cx="0" cy="0"/>
-          <a:chOff x="0" y="0"/>
-          <a:chExt cx="0" cy="0"/>
-        </a:xfrm>
-      </p:grpSpPr>
-      <p:sp>
-        <p:nvSpPr>
-          <p:cNvPr id="2" name="제목 1">
-            <a:extLst>
-              <a:ext uri="{FF2B5EF4-FFF2-40B4-BE49-F238E27FC236}">
-                <a16:creationId xmlns:a16="http://schemas.microsoft.com/office/drawing/2014/main" id="{3E26C067-D13D-9761-55D8-F22075EC488B}"/>
-              </a:ext>
-            </a:extLst>
-          </p:cNvPr>
-          <p:cNvSpPr>
-            <a:spLocks noGrp="1"/>
-          </p:cNvSpPr>
-          <p:nvPr>
-            <p:ph type="title"/>
-          </p:nvPr>
-        </p:nvSpPr>
-        <p:spPr>
-          <a:xfrm>
-            <a:off x="1024128" y="585216"/>
-            <a:ext cx="10863072" cy="1499616"/>
-          </a:xfrm>
-        </p:spPr>
-        <p:txBody>
-          <a:bodyPr/>
-          <a:lstStyle/>
-          <a:p>
-            <a:r>
-              <a:rPr lang="en-US" altLang="ko-KR" dirty="0"/>
-              <a:t>VAD</a:t>
-            </a:r>
-            <a:r>
-              <a:rPr lang="ja-JP" altLang="en-US" dirty="0"/>
-              <a:t>次元の間の相関関係</a:t>
-            </a:r>
-            <a:r>
-              <a:rPr lang="en-US" altLang="ja-JP" dirty="0"/>
-              <a:t>(</a:t>
-            </a:r>
-            <a:r>
-              <a:rPr lang="en-US" altLang="ja-JP" dirty="0" err="1"/>
-              <a:t>XGBoost</a:t>
-            </a:r>
-            <a:r>
-              <a:rPr lang="en-US" altLang="ja-JP" dirty="0"/>
-              <a:t>)</a:t>
-            </a:r>
-            <a:endParaRPr lang="ko-KR" altLang="en-US" dirty="0"/>
-          </a:p>
-        </p:txBody>
-      </p:sp>
-      <p:pic>
-        <p:nvPicPr>
-          <p:cNvPr id="4" name="그림 3" descr="텍스트, 스크린샷, 도표, 디자인이(가) 표시된 사진&#10;&#10;자동 생성된 설명">
-            <a:extLst>
-              <a:ext uri="{FF2B5EF4-FFF2-40B4-BE49-F238E27FC236}">
-                <a16:creationId xmlns:a16="http://schemas.microsoft.com/office/drawing/2014/main" id="{FC8E9699-56F7-2FA4-6036-A30D21AB44A8}"/>
-              </a:ext>
-            </a:extLst>
-          </p:cNvPr>
-          <p:cNvPicPr>
-            <a:picLocks noChangeAspect="1"/>
-          </p:cNvPicPr>
-          <p:nvPr/>
-        </p:nvPicPr>
-        <p:blipFill>
-          <a:blip r:embed="rId2"/>
-          <a:stretch>
-            <a:fillRect/>
-          </a:stretch>
-        </p:blipFill>
-        <p:spPr>
-          <a:xfrm>
-            <a:off x="2058955" y="2084832"/>
-            <a:ext cx="8074090" cy="3906818"/>
-          </a:xfrm>
-          <a:prstGeom prst="rect">
-            <a:avLst/>
-          </a:prstGeom>
-        </p:spPr>
-      </p:pic>
-      <p:sp>
-        <p:nvSpPr>
-          <p:cNvPr id="5" name="TextBox 4">
-            <a:extLst>
-              <a:ext uri="{FF2B5EF4-FFF2-40B4-BE49-F238E27FC236}">
-                <a16:creationId xmlns:a16="http://schemas.microsoft.com/office/drawing/2014/main" id="{A7AD469E-0232-D2E3-FF1A-A4E2AC5B7215}"/>
-              </a:ext>
-            </a:extLst>
-          </p:cNvPr>
-          <p:cNvSpPr txBox="1"/>
-          <p:nvPr/>
-        </p:nvSpPr>
-        <p:spPr>
-          <a:xfrm>
-            <a:off x="2506824" y="5960448"/>
-            <a:ext cx="7178351" cy="246221"/>
-          </a:xfrm>
-          <a:prstGeom prst="rect">
-            <a:avLst/>
-          </a:prstGeom>
-          <a:noFill/>
-        </p:spPr>
-        <p:txBody>
-          <a:bodyPr wrap="square" rtlCol="0">
-            <a:spAutoFit/>
-          </a:bodyPr>
-          <a:lstStyle/>
-          <a:p>
-            <a:pPr algn="ctr"/>
-            <a:r>
-              <a:rPr lang="en-US" altLang="ko-KR" sz="1000" dirty="0">
-                <a:latin typeface="Abadi" panose="020B0604020104020204" pitchFamily="34" charset="0"/>
-              </a:rPr>
-              <a:t>"</a:t>
-            </a:r>
-            <a:r>
-              <a:rPr lang="en-US" altLang="ko-KR" sz="1000" dirty="0" err="1">
-                <a:latin typeface="Abadi" panose="020B0604020104020204" pitchFamily="34" charset="0"/>
-              </a:rPr>
-              <a:t>Intoroduction</a:t>
-            </a:r>
-            <a:r>
-              <a:rPr lang="en-US" altLang="ko-KR" sz="1000" dirty="0">
-                <a:latin typeface="Abadi" panose="020B0604020104020204" pitchFamily="34" charset="0"/>
-              </a:rPr>
-              <a:t> to </a:t>
-            </a:r>
-            <a:r>
-              <a:rPr lang="en-US" altLang="ko-KR" sz="1000" dirty="0" err="1">
-                <a:latin typeface="Abadi" panose="020B0604020104020204" pitchFamily="34" charset="0"/>
-              </a:rPr>
-              <a:t>XGBoost</a:t>
-            </a:r>
-            <a:r>
-              <a:rPr lang="en-US" altLang="ko-KR" sz="1000" dirty="0">
-                <a:latin typeface="Abadi" panose="020B0604020104020204" pitchFamily="34" charset="0"/>
-              </a:rPr>
-              <a:t> in Python", (Ishan Shah, 2020)</a:t>
-            </a:r>
-            <a:endParaRPr lang="ko-KR" altLang="en-US" sz="1000" dirty="0">
-              <a:latin typeface="Abadi" panose="020B0604020104020204" pitchFamily="34" charset="0"/>
-            </a:endParaRPr>
-          </a:p>
-        </p:txBody>
-      </p:sp>
-    </p:spTree>
-    <p:extLst>
-      <p:ext uri="{BB962C8B-B14F-4D97-AF65-F5344CB8AC3E}">
-        <p14:creationId xmlns:p14="http://schemas.microsoft.com/office/powerpoint/2010/main" val="2020634550"/>
       </p:ext>
     </p:extLst>
   </p:cSld>
@@ -24015,20 +24015,20 @@
 </file>
 
 <file path=customXml/item1.xml><?xml version="1.0" encoding="utf-8"?>
+<p:properties xmlns:p="http://schemas.microsoft.com/office/2006/metadata/properties" xmlns:xsi="http://www.w3.org/2001/XMLSchema-instance" xmlns:pc="http://schemas.microsoft.com/office/infopath/2007/PartnerControls">
+  <documentManagement>
+    <MediaServiceKeyPoints xmlns="71af3243-3dd4-4a8d-8c0d-dd76da1f02a5" xsi:nil="true"/>
+  </documentManagement>
+</p:properties>
+</file>
+
+<file path=customXml/item2.xml><?xml version="1.0" encoding="utf-8"?>
 <?mso-contentType ?>
 <FormTemplates xmlns="http://schemas.microsoft.com/sharepoint/v3/contenttype/forms">
   <Display>DocumentLibraryForm</Display>
   <Edit>DocumentLibraryForm</Edit>
   <New>DocumentLibraryForm</New>
 </FormTemplates>
-</file>
-
-<file path=customXml/item2.xml><?xml version="1.0" encoding="utf-8"?>
-<p:properties xmlns:p="http://schemas.microsoft.com/office/2006/metadata/properties" xmlns:xsi="http://www.w3.org/2001/XMLSchema-instance" xmlns:pc="http://schemas.microsoft.com/office/infopath/2007/PartnerControls">
-  <documentManagement>
-    <MediaServiceKeyPoints xmlns="71af3243-3dd4-4a8d-8c0d-dd76da1f02a5" xsi:nil="true"/>
-  </documentManagement>
-</p:properties>
 </file>
 
 <file path=customXml/item3.xml><?xml version="1.0" encoding="utf-8"?>
@@ -24243,19 +24243,19 @@
 </file>
 
 <file path=customXml/itemProps1.xml><?xml version="1.0" encoding="utf-8"?>
-<ds:datastoreItem xmlns:ds="http://schemas.openxmlformats.org/officeDocument/2006/customXml" ds:itemID="{4F44C90D-2A62-4985-9618-3460247437B1}">
+<ds:datastoreItem xmlns:ds="http://schemas.openxmlformats.org/officeDocument/2006/customXml" ds:itemID="{788A2F88-55C5-4ED1-9541-807C65424763}">
   <ds:schemaRefs>
-    <ds:schemaRef ds:uri="http://schemas.microsoft.com/sharepoint/v3/contenttype/forms"/>
+    <ds:schemaRef ds:uri="http://schemas.microsoft.com/office/2006/metadata/properties"/>
+    <ds:schemaRef ds:uri="http://schemas.microsoft.com/office/infopath/2007/PartnerControls"/>
+    <ds:schemaRef ds:uri="71af3243-3dd4-4a8d-8c0d-dd76da1f02a5"/>
   </ds:schemaRefs>
 </ds:datastoreItem>
 </file>
 
 <file path=customXml/itemProps2.xml><?xml version="1.0" encoding="utf-8"?>
-<ds:datastoreItem xmlns:ds="http://schemas.openxmlformats.org/officeDocument/2006/customXml" ds:itemID="{788A2F88-55C5-4ED1-9541-807C65424763}">
+<ds:datastoreItem xmlns:ds="http://schemas.openxmlformats.org/officeDocument/2006/customXml" ds:itemID="{4F44C90D-2A62-4985-9618-3460247437B1}">
   <ds:schemaRefs>
-    <ds:schemaRef ds:uri="http://schemas.microsoft.com/office/2006/metadata/properties"/>
-    <ds:schemaRef ds:uri="http://schemas.microsoft.com/office/infopath/2007/PartnerControls"/>
-    <ds:schemaRef ds:uri="71af3243-3dd4-4a8d-8c0d-dd76da1f02a5"/>
+    <ds:schemaRef ds:uri="http://schemas.microsoft.com/sharepoint/v3/contenttype/forms"/>
   </ds:schemaRefs>
 </ds:datastoreItem>
 </file>
